--- a/_site/lectures/Lecture03/Lecture03.pptx
+++ b/_site/lectures/Lecture03/Lecture03.pptx
@@ -4,14 +4,33 @@
   <p:sldMasterIdLst>
     <p:sldMasterId id="2147483686" r:id="rId1"/>
   </p:sldMasterIdLst>
-  <p:notesMasterIdLst>
-    <p:notesMasterId r:id="rId6"/>
-  </p:notesMasterIdLst>
   <p:sldIdLst>
     <p:sldId id="256" r:id="rId2"/>
     <p:sldId id="257" r:id="rId3"/>
     <p:sldId id="258" r:id="rId4"/>
     <p:sldId id="259" r:id="rId5"/>
+    <p:sldId id="260" r:id="rId6"/>
+    <p:sldId id="261" r:id="rId7"/>
+    <p:sldId id="262" r:id="rId8"/>
+    <p:sldId id="263" r:id="rId9"/>
+    <p:sldId id="264" r:id="rId10"/>
+    <p:sldId id="265" r:id="rId11"/>
+    <p:sldId id="266" r:id="rId12"/>
+    <p:sldId id="267" r:id="rId13"/>
+    <p:sldId id="268" r:id="rId14"/>
+    <p:sldId id="269" r:id="rId15"/>
+    <p:sldId id="270" r:id="rId16"/>
+    <p:sldId id="271" r:id="rId17"/>
+    <p:sldId id="272" r:id="rId18"/>
+    <p:sldId id="273" r:id="rId19"/>
+    <p:sldId id="274" r:id="rId20"/>
+    <p:sldId id="275" r:id="rId21"/>
+    <p:sldId id="276" r:id="rId22"/>
+    <p:sldId id="277" r:id="rId23"/>
+    <p:sldId id="278" r:id="rId24"/>
+    <p:sldId id="279" r:id="rId25"/>
+    <p:sldId id="280" r:id="rId26"/>
+    <p:sldId id="281" r:id="rId27"/>
   </p:sldIdLst>
   <p:sldSz cx="12192000" cy="6858000"/>
   <p:notesSz cx="6858000" cy="9144000"/>
@@ -127,437 +146,6 @@
     </p:ext>
   </p:extLst>
 </p:presentation>
-</file>
-
-<file path=ppt/notesMasters/notesMaster1.xml><?xml version="1.0" encoding="utf-8"?>
-<p:notesMaster xmlns:a="http://schemas.openxmlformats.org/drawingml/2006/main" xmlns:r="http://schemas.openxmlformats.org/officeDocument/2006/relationships" xmlns:p="http://schemas.openxmlformats.org/presentationml/2006/main">
-  <p:cSld>
-    <p:bg>
-      <p:bgRef idx="1001">
-        <a:schemeClr val="bg1"/>
-      </p:bgRef>
-    </p:bg>
-    <p:spTree>
-      <p:nvGrpSpPr>
-        <p:cNvPr id="1" name=""/>
-        <p:cNvGrpSpPr/>
-        <p:nvPr/>
-      </p:nvGrpSpPr>
-      <p:grpSpPr>
-        <a:xfrm>
-          <a:off x="0" y="0"/>
-          <a:ext cx="0" cy="0"/>
-          <a:chOff x="0" y="0"/>
-          <a:chExt cx="0" cy="0"/>
-        </a:xfrm>
-      </p:grpSpPr>
-      <p:sp>
-        <p:nvSpPr>
-          <p:cNvPr id="2" name="Header Placeholder 1"/>
-          <p:cNvSpPr>
-            <a:spLocks noGrp="1"/>
-          </p:cNvSpPr>
-          <p:nvPr>
-            <p:ph type="hdr" sz="quarter"/>
-          </p:nvPr>
-        </p:nvSpPr>
-        <p:spPr>
-          <a:xfrm>
-            <a:off x="0" y="0"/>
-            <a:ext cx="2971800" cy="458788"/>
-          </a:xfrm>
-          <a:prstGeom prst="rect">
-            <a:avLst/>
-          </a:prstGeom>
-        </p:spPr>
-        <p:txBody>
-          <a:bodyPr vert="horz" lIns="91440" tIns="45720" rIns="91440" bIns="45720" rtlCol="0"/>
-          <a:lstStyle>
-            <a:lvl1pPr algn="l">
-              <a:defRPr sz="1200"/>
-            </a:lvl1pPr>
-          </a:lstStyle>
-          <a:p>
-            <a:endParaRPr lang="en-US"/>
-          </a:p>
-        </p:txBody>
-      </p:sp>
-      <p:sp>
-        <p:nvSpPr>
-          <p:cNvPr id="3" name="Date Placeholder 2"/>
-          <p:cNvSpPr>
-            <a:spLocks noGrp="1"/>
-          </p:cNvSpPr>
-          <p:nvPr>
-            <p:ph type="dt" idx="1"/>
-          </p:nvPr>
-        </p:nvSpPr>
-        <p:spPr>
-          <a:xfrm>
-            <a:off x="3884613" y="0"/>
-            <a:ext cx="2971800" cy="458788"/>
-          </a:xfrm>
-          <a:prstGeom prst="rect">
-            <a:avLst/>
-          </a:prstGeom>
-        </p:spPr>
-        <p:txBody>
-          <a:bodyPr vert="horz" lIns="91440" tIns="45720" rIns="91440" bIns="45720" rtlCol="0"/>
-          <a:lstStyle>
-            <a:lvl1pPr algn="r">
-              <a:defRPr sz="1200"/>
-            </a:lvl1pPr>
-          </a:lstStyle>
-          <a:p>
-            <a:fld id="{0F9C1CCF-B725-44A7-AA57-5E433BD85C9F}" type="datetimeFigureOut">
-              <a:rPr lang="en-US" smtClean="0"/>
-              <a:t>9/30/22</a:t>
-            </a:fld>
-            <a:endParaRPr lang="en-US"/>
-          </a:p>
-        </p:txBody>
-      </p:sp>
-      <p:sp>
-        <p:nvSpPr>
-          <p:cNvPr id="4" name="Slide Image Placeholder 3"/>
-          <p:cNvSpPr>
-            <a:spLocks noGrp="1" noRot="1" noChangeAspect="1"/>
-          </p:cNvSpPr>
-          <p:nvPr>
-            <p:ph type="sldImg" idx="2"/>
-          </p:nvPr>
-        </p:nvSpPr>
-        <p:spPr>
-          <a:xfrm>
-            <a:off x="685800" y="1143000"/>
-            <a:ext cx="5486400" cy="3086100"/>
-          </a:xfrm>
-          <a:prstGeom prst="rect">
-            <a:avLst/>
-          </a:prstGeom>
-          <a:noFill/>
-          <a:ln w="12700">
-            <a:solidFill>
-              <a:prstClr val="black"/>
-            </a:solidFill>
-          </a:ln>
-        </p:spPr>
-        <p:txBody>
-          <a:bodyPr vert="horz" lIns="91440" tIns="45720" rIns="91440" bIns="45720" rtlCol="0" anchor="ctr"/>
-          <a:lstStyle/>
-          <a:p>
-            <a:endParaRPr lang="en-US"/>
-          </a:p>
-        </p:txBody>
-      </p:sp>
-      <p:sp>
-        <p:nvSpPr>
-          <p:cNvPr id="5" name="Notes Placeholder 4"/>
-          <p:cNvSpPr>
-            <a:spLocks noGrp="1"/>
-          </p:cNvSpPr>
-          <p:nvPr>
-            <p:ph type="body" sz="quarter" idx="3"/>
-          </p:nvPr>
-        </p:nvSpPr>
-        <p:spPr>
-          <a:xfrm>
-            <a:off x="685800" y="4400550"/>
-            <a:ext cx="5486400" cy="3600450"/>
-          </a:xfrm>
-          <a:prstGeom prst="rect">
-            <a:avLst/>
-          </a:prstGeom>
-        </p:spPr>
-        <p:txBody>
-          <a:bodyPr vert="horz" lIns="91440" tIns="45720" rIns="91440" bIns="45720" rtlCol="0"/>
-          <a:lstStyle/>
-          <a:p>
-            <a:pPr lvl="0"/>
-            <a:r>
-              <a:rPr lang="en-US"/>
-              <a:t>Click to edit Master text styles</a:t>
-            </a:r>
-          </a:p>
-          <a:p>
-            <a:pPr lvl="1"/>
-            <a:r>
-              <a:rPr lang="en-US"/>
-              <a:t>Second level</a:t>
-            </a:r>
-          </a:p>
-          <a:p>
-            <a:pPr lvl="2"/>
-            <a:r>
-              <a:rPr lang="en-US"/>
-              <a:t>Third level</a:t>
-            </a:r>
-          </a:p>
-          <a:p>
-            <a:pPr lvl="3"/>
-            <a:r>
-              <a:rPr lang="en-US"/>
-              <a:t>Fourth level</a:t>
-            </a:r>
-          </a:p>
-          <a:p>
-            <a:pPr lvl="4"/>
-            <a:r>
-              <a:rPr lang="en-US"/>
-              <a:t>Fifth level</a:t>
-            </a:r>
-          </a:p>
-        </p:txBody>
-      </p:sp>
-      <p:sp>
-        <p:nvSpPr>
-          <p:cNvPr id="6" name="Footer Placeholder 5"/>
-          <p:cNvSpPr>
-            <a:spLocks noGrp="1"/>
-          </p:cNvSpPr>
-          <p:nvPr>
-            <p:ph type="ftr" sz="quarter" idx="4"/>
-          </p:nvPr>
-        </p:nvSpPr>
-        <p:spPr>
-          <a:xfrm>
-            <a:off x="0" y="8685213"/>
-            <a:ext cx="2971800" cy="458787"/>
-          </a:xfrm>
-          <a:prstGeom prst="rect">
-            <a:avLst/>
-          </a:prstGeom>
-        </p:spPr>
-        <p:txBody>
-          <a:bodyPr vert="horz" lIns="91440" tIns="45720" rIns="91440" bIns="45720" rtlCol="0" anchor="b"/>
-          <a:lstStyle>
-            <a:lvl1pPr algn="l">
-              <a:defRPr sz="1200"/>
-            </a:lvl1pPr>
-          </a:lstStyle>
-          <a:p>
-            <a:endParaRPr lang="en-US"/>
-          </a:p>
-        </p:txBody>
-      </p:sp>
-      <p:sp>
-        <p:nvSpPr>
-          <p:cNvPr id="7" name="Slide Number Placeholder 6"/>
-          <p:cNvSpPr>
-            <a:spLocks noGrp="1"/>
-          </p:cNvSpPr>
-          <p:nvPr>
-            <p:ph type="sldNum" sz="quarter" idx="5"/>
-          </p:nvPr>
-        </p:nvSpPr>
-        <p:spPr>
-          <a:xfrm>
-            <a:off x="3884613" y="8685213"/>
-            <a:ext cx="2971800" cy="458787"/>
-          </a:xfrm>
-          <a:prstGeom prst="rect">
-            <a:avLst/>
-          </a:prstGeom>
-        </p:spPr>
-        <p:txBody>
-          <a:bodyPr vert="horz" lIns="91440" tIns="45720" rIns="91440" bIns="45720" rtlCol="0" anchor="b"/>
-          <a:lstStyle>
-            <a:lvl1pPr algn="r">
-              <a:defRPr sz="1200"/>
-            </a:lvl1pPr>
-          </a:lstStyle>
-          <a:p>
-            <a:fld id="{18BDFEC3-8487-43E8-A154-7C12CBC1FFF2}" type="slidenum">
-              <a:rPr lang="en-US" smtClean="0"/>
-              <a:t>‹#›</a:t>
-            </a:fld>
-            <a:endParaRPr lang="en-US"/>
-          </a:p>
-        </p:txBody>
-      </p:sp>
-    </p:spTree>
-    <p:extLst>
-      <p:ext uri="{BB962C8B-B14F-4D97-AF65-F5344CB8AC3E}">
-        <p14:creationId xmlns:p14="http://schemas.microsoft.com/office/powerpoint/2010/main" val="3782709779"/>
-      </p:ext>
-    </p:extLst>
-  </p:cSld>
-  <p:clrMap bg1="lt1" tx1="dk1" bg2="lt2" tx2="dk2" accent1="accent1" accent2="accent2" accent3="accent3" accent4="accent4" accent5="accent5" accent6="accent6" hlink="hlink" folHlink="folHlink"/>
-  <p:notesStyle>
-    <a:lvl1pPr marL="0" algn="l" defTabSz="914400" rtl="0" eaLnBrk="1" latinLnBrk="0" hangingPunct="1">
-      <a:defRPr sz="1200" kern="1200">
-        <a:solidFill>
-          <a:schemeClr val="tx1"/>
-        </a:solidFill>
-        <a:latin typeface="+mn-lt"/>
-        <a:ea typeface="+mn-ea"/>
-        <a:cs typeface="+mn-cs"/>
-      </a:defRPr>
-    </a:lvl1pPr>
-    <a:lvl2pPr marL="457200" algn="l" defTabSz="914400" rtl="0" eaLnBrk="1" latinLnBrk="0" hangingPunct="1">
-      <a:defRPr sz="1200" kern="1200">
-        <a:solidFill>
-          <a:schemeClr val="tx1"/>
-        </a:solidFill>
-        <a:latin typeface="+mn-lt"/>
-        <a:ea typeface="+mn-ea"/>
-        <a:cs typeface="+mn-cs"/>
-      </a:defRPr>
-    </a:lvl2pPr>
-    <a:lvl3pPr marL="914400" algn="l" defTabSz="914400" rtl="0" eaLnBrk="1" latinLnBrk="0" hangingPunct="1">
-      <a:defRPr sz="1200" kern="1200">
-        <a:solidFill>
-          <a:schemeClr val="tx1"/>
-        </a:solidFill>
-        <a:latin typeface="+mn-lt"/>
-        <a:ea typeface="+mn-ea"/>
-        <a:cs typeface="+mn-cs"/>
-      </a:defRPr>
-    </a:lvl3pPr>
-    <a:lvl4pPr marL="1371600" algn="l" defTabSz="914400" rtl="0" eaLnBrk="1" latinLnBrk="0" hangingPunct="1">
-      <a:defRPr sz="1200" kern="1200">
-        <a:solidFill>
-          <a:schemeClr val="tx1"/>
-        </a:solidFill>
-        <a:latin typeface="+mn-lt"/>
-        <a:ea typeface="+mn-ea"/>
-        <a:cs typeface="+mn-cs"/>
-      </a:defRPr>
-    </a:lvl4pPr>
-    <a:lvl5pPr marL="1828800" algn="l" defTabSz="914400" rtl="0" eaLnBrk="1" latinLnBrk="0" hangingPunct="1">
-      <a:defRPr sz="1200" kern="1200">
-        <a:solidFill>
-          <a:schemeClr val="tx1"/>
-        </a:solidFill>
-        <a:latin typeface="+mn-lt"/>
-        <a:ea typeface="+mn-ea"/>
-        <a:cs typeface="+mn-cs"/>
-      </a:defRPr>
-    </a:lvl5pPr>
-    <a:lvl6pPr marL="2286000" algn="l" defTabSz="914400" rtl="0" eaLnBrk="1" latinLnBrk="0" hangingPunct="1">
-      <a:defRPr sz="1200" kern="1200">
-        <a:solidFill>
-          <a:schemeClr val="tx1"/>
-        </a:solidFill>
-        <a:latin typeface="+mn-lt"/>
-        <a:ea typeface="+mn-ea"/>
-        <a:cs typeface="+mn-cs"/>
-      </a:defRPr>
-    </a:lvl6pPr>
-    <a:lvl7pPr marL="2743200" algn="l" defTabSz="914400" rtl="0" eaLnBrk="1" latinLnBrk="0" hangingPunct="1">
-      <a:defRPr sz="1200" kern="1200">
-        <a:solidFill>
-          <a:schemeClr val="tx1"/>
-        </a:solidFill>
-        <a:latin typeface="+mn-lt"/>
-        <a:ea typeface="+mn-ea"/>
-        <a:cs typeface="+mn-cs"/>
-      </a:defRPr>
-    </a:lvl7pPr>
-    <a:lvl8pPr marL="3200400" algn="l" defTabSz="914400" rtl="0" eaLnBrk="1" latinLnBrk="0" hangingPunct="1">
-      <a:defRPr sz="1200" kern="1200">
-        <a:solidFill>
-          <a:schemeClr val="tx1"/>
-        </a:solidFill>
-        <a:latin typeface="+mn-lt"/>
-        <a:ea typeface="+mn-ea"/>
-        <a:cs typeface="+mn-cs"/>
-      </a:defRPr>
-    </a:lvl8pPr>
-    <a:lvl9pPr marL="3657600" algn="l" defTabSz="914400" rtl="0" eaLnBrk="1" latinLnBrk="0" hangingPunct="1">
-      <a:defRPr sz="1200" kern="1200">
-        <a:solidFill>
-          <a:schemeClr val="tx1"/>
-        </a:solidFill>
-        <a:latin typeface="+mn-lt"/>
-        <a:ea typeface="+mn-ea"/>
-        <a:cs typeface="+mn-cs"/>
-      </a:defRPr>
-    </a:lvl9pPr>
-  </p:notesStyle>
-</p:notesMaster>
-</file>
-
-<file path=ppt/notesSlides/notesSlide1.xml><?xml version="1.0" encoding="utf-8"?>
-<p:notes xmlns:a="http://schemas.openxmlformats.org/drawingml/2006/main" xmlns:r="http://schemas.openxmlformats.org/officeDocument/2006/relationships" xmlns:p="http://schemas.openxmlformats.org/presentationml/2006/main">
-  <p:cSld>
-    <p:spTree>
-      <p:nvGrpSpPr>
-        <p:cNvPr id="1" name=""/>
-        <p:cNvGrpSpPr/>
-        <p:nvPr/>
-      </p:nvGrpSpPr>
-      <p:grpSpPr>
-        <a:xfrm>
-          <a:off x="0" y="0"/>
-          <a:ext cx="0" cy="0"/>
-          <a:chOff x="0" y="0"/>
-          <a:chExt cx="0" cy="0"/>
-        </a:xfrm>
-      </p:grpSpPr>
-      <p:sp>
-        <p:nvSpPr>
-          <p:cNvPr id="2" name="Slide Image Placeholder 1"/>
-          <p:cNvSpPr>
-            <a:spLocks noGrp="1" noRot="1" noChangeAspect="1"/>
-          </p:cNvSpPr>
-          <p:nvPr>
-            <p:ph type="sldImg"/>
-          </p:nvPr>
-        </p:nvSpPr>
-        <p:spPr/>
-      </p:sp>
-      <p:sp>
-        <p:nvSpPr>
-          <p:cNvPr id="3" name="Notes Placeholder 2"/>
-          <p:cNvSpPr>
-            <a:spLocks noGrp="1"/>
-          </p:cNvSpPr>
-          <p:nvPr>
-            <p:ph type="body" idx="1"/>
-          </p:nvPr>
-        </p:nvSpPr>
-        <p:spPr/>
-        <p:txBody>
-          <a:bodyPr/>
-          <a:lstStyle/>
-          <a:p>
-            <a:pPr lvl="0" indent="0" marL="0">
-              <a:buNone/>
-            </a:pPr>
-            <a:r>
-              <a:rPr/>
-              <a:t>Mention Roy Baumeister. A very creative Psychologist</a:t>
-            </a:r>
-          </a:p>
-        </p:txBody>
-      </p:sp>
-      <p:sp>
-        <p:nvSpPr>
-          <p:cNvPr id="4" name="Slide Number Placeholder 3"/>
-          <p:cNvSpPr>
-            <a:spLocks noGrp="1"/>
-          </p:cNvSpPr>
-          <p:nvPr>
-            <p:ph type="sldNum" sz="quarter" idx="10"/>
-          </p:nvPr>
-        </p:nvSpPr>
-        <p:spPr/>
-        <p:txBody>
-          <a:bodyPr/>
-          <a:lstStyle/>
-          <a:p>
-            <a:fld id="{18BDFEC3-8487-43E8-A154-7C12CBC1FFF2}" type="slidenum">
-              <a:rPr lang="en-US"/>
-              <a:t>3</a:t>
-            </a:fld>
-            <a:endParaRPr lang="en-US"/>
-          </a:p>
-        </p:txBody>
-      </p:sp>
-    </p:spTree>
-  </p:cSld>
-</p:notes>
 </file>
 
 <file path=ppt/slideLayouts/slideLayout1.xml><?xml version="1.0" encoding="utf-8"?>
@@ -5326,7 +4914,7 @@
             </a:pPr>
             <a:r>
               <a:rPr/>
-              <a:t>Lecture02</a:t>
+              <a:t>Lecture03</a:t>
             </a:r>
           </a:p>
         </p:txBody>
@@ -5362,7 +4950,7 @@
             </a:pPr>
             <a:r>
               <a:rPr/>
-              <a:t>Asking good questions and gathering reliable evidence</a:t>
+              <a:t>Being critical and evaluating the work of others</a:t>
             </a:r>
             <a:br/>
             <a:br/>
@@ -5399,11 +4987,897 @@
             </a:pPr>
             <a:r>
               <a:rPr/>
-              <a:t>10 October, 2022</a:t>
-            </a:r>
-          </a:p>
-        </p:txBody>
-      </p:sp>
+              <a:t>17 October, 2022</a:t>
+            </a:r>
+          </a:p>
+        </p:txBody>
+      </p:sp>
+    </p:spTree>
+  </p:cSld>
+</p:sld>
+</file>
+
+<file path=ppt/slides/slide10.xml><?xml version="1.0" encoding="utf-8"?>
+<p:sld xmlns:a="http://schemas.openxmlformats.org/drawingml/2006/main" xmlns:r="http://schemas.openxmlformats.org/officeDocument/2006/relationships" xmlns:p="http://schemas.openxmlformats.org/presentationml/2006/main">
+  <p:cSld>
+    <p:spTree>
+      <p:nvGrpSpPr>
+        <p:cNvPr id="1" name=""/>
+        <p:cNvGrpSpPr/>
+        <p:nvPr/>
+      </p:nvGrpSpPr>
+      <p:grpSpPr>
+        <a:xfrm>
+          <a:off x="0" y="0"/>
+          <a:ext cx="0" cy="0"/>
+          <a:chOff x="0" y="0"/>
+          <a:chExt cx="0" cy="0"/>
+        </a:xfrm>
+      </p:grpSpPr>
+      <p:sp>
+        <p:nvSpPr>
+          <p:cNvPr id="2" name="Title 1">
+            <a:extLst>
+              <a:ext uri="{FF2B5EF4-FFF2-40B4-BE49-F238E27FC236}">
+                <a16:creationId xmlns:a16="http://schemas.microsoft.com/office/drawing/2014/main" id="{DD9B8E45-0772-954C-8D4B-6E6808DFEDED}"/>
+              </a:ext>
+            </a:extLst>
+          </p:cNvPr>
+          <p:cNvSpPr>
+            <a:spLocks noGrp="1"/>
+          </p:cNvSpPr>
+          <p:nvPr>
+            <p:ph type="title"/>
+          </p:nvPr>
+        </p:nvSpPr>
+        <p:spPr>
+          <a:xfrm>
+            <a:off x="838200" y="365129"/>
+            <a:ext cx="10002520" cy="1325563"/>
+          </a:xfrm>
+          <a:prstGeom prst="rect">
+            <a:avLst/>
+          </a:prstGeom>
+        </p:spPr>
+        <p:txBody>
+          <a:bodyPr/>
+          <a:lstStyle/>
+          <a:p>
+            <a:pPr lvl="0" indent="0" marL="0">
+              <a:buNone/>
+            </a:pPr>
+            <a:r>
+              <a:rPr/>
+              <a:t>This year Critical Analysis has a ‘point’</a:t>
+            </a:r>
+          </a:p>
+        </p:txBody>
+      </p:sp>
+      <p:sp>
+        <p:nvSpPr>
+          <p:cNvPr id="3" name="Content Placeholder 2">
+            <a:extLst>
+              <a:ext uri="{FF2B5EF4-FFF2-40B4-BE49-F238E27FC236}">
+                <a16:creationId xmlns:a16="http://schemas.microsoft.com/office/drawing/2014/main" id="{A4EB24F9-04F1-C843-9D71-56C5C024552B}"/>
+              </a:ext>
+            </a:extLst>
+          </p:cNvPr>
+          <p:cNvSpPr>
+            <a:spLocks noGrp="1"/>
+          </p:cNvSpPr>
+          <p:nvPr>
+            <p:ph idx="1"/>
+          </p:nvPr>
+        </p:nvSpPr>
+        <p:spPr/>
+        <p:txBody>
+          <a:bodyPr/>
+          <a:lstStyle/>
+          <a:p>
+            <a:pPr lvl="0" indent="0" marL="0">
+              <a:buNone/>
+            </a:pPr>
+            <a:r>
+              <a:rPr/>
+              <a:t>The objective of the Critical Proposal is that you start to deploy the tools you have practiced in the service of your Mini-Dissertations.</a:t>
+            </a:r>
+          </a:p>
+          <a:p>
+            <a:pPr lvl="0" indent="0" marL="0">
+              <a:buNone/>
+            </a:pPr>
+            <a:r>
+              <a:rPr/>
+              <a:t>A ‘practical’ exercise, success if determined in light of practical value.</a:t>
+            </a:r>
+          </a:p>
+          <a:p>
+            <a:pPr lvl="0" indent="0" marL="0">
+              <a:buNone/>
+            </a:pPr>
+            <a:r>
+              <a:rPr/>
+              <a:t>Helping to develop some aspect of your study design or methodology.</a:t>
+            </a:r>
+          </a:p>
+          <a:p>
+            <a:pPr lvl="0" indent="0" marL="0">
+              <a:buNone/>
+            </a:pPr>
+            <a:r>
+              <a:rPr/>
+              <a:t>You will probably follow this process ‘a few times’ for your final year dissertation!</a:t>
+            </a:r>
+          </a:p>
+        </p:txBody>
+      </p:sp>
+    </p:spTree>
+  </p:cSld>
+</p:sld>
+</file>
+
+<file path=ppt/slides/slide11.xml><?xml version="1.0" encoding="utf-8"?>
+<p:sld xmlns:a="http://schemas.openxmlformats.org/drawingml/2006/main" xmlns:r="http://schemas.openxmlformats.org/officeDocument/2006/relationships" xmlns:p="http://schemas.openxmlformats.org/presentationml/2006/main">
+  <p:cSld>
+    <p:spTree>
+      <p:nvGrpSpPr>
+        <p:cNvPr id="1" name=""/>
+        <p:cNvGrpSpPr/>
+        <p:nvPr/>
+      </p:nvGrpSpPr>
+      <p:grpSpPr>
+        <a:xfrm>
+          <a:off x="0" y="0"/>
+          <a:ext cx="0" cy="0"/>
+          <a:chOff x="0" y="0"/>
+          <a:chExt cx="0" cy="0"/>
+        </a:xfrm>
+      </p:grpSpPr>
+      <p:sp>
+        <p:nvSpPr>
+          <p:cNvPr id="2" name="Title 1">
+            <a:extLst>
+              <a:ext uri="{FF2B5EF4-FFF2-40B4-BE49-F238E27FC236}">
+                <a16:creationId xmlns:a16="http://schemas.microsoft.com/office/drawing/2014/main" id="{DD9B8E45-0772-954C-8D4B-6E6808DFEDED}"/>
+              </a:ext>
+            </a:extLst>
+          </p:cNvPr>
+          <p:cNvSpPr>
+            <a:spLocks noGrp="1"/>
+          </p:cNvSpPr>
+          <p:nvPr>
+            <p:ph type="title"/>
+          </p:nvPr>
+        </p:nvSpPr>
+        <p:spPr>
+          <a:xfrm>
+            <a:off x="838200" y="365129"/>
+            <a:ext cx="10002520" cy="1325563"/>
+          </a:xfrm>
+          <a:prstGeom prst="rect">
+            <a:avLst/>
+          </a:prstGeom>
+        </p:spPr>
+        <p:txBody>
+          <a:bodyPr/>
+          <a:lstStyle/>
+          <a:p>
+            <a:pPr lvl="0" indent="0" marL="0">
+              <a:buNone/>
+            </a:pPr>
+            <a:r>
+              <a:rPr/>
+              <a:t>Reading list items</a:t>
+            </a:r>
+          </a:p>
+        </p:txBody>
+      </p:sp>
+      <p:pic>
+        <p:nvPicPr>
+          <p:cNvPr descr="images/paste-414A92CC.png" id="0" name="Picture 1"/>
+          <p:cNvPicPr>
+            <a:picLocks noGrp="1" noChangeAspect="1"/>
+          </p:cNvPicPr>
+          <p:nvPr/>
+        </p:nvPicPr>
+        <p:blipFill>
+          <a:blip r:embed="rId2"/>
+          <a:stretch>
+            <a:fillRect/>
+          </a:stretch>
+        </p:blipFill>
+        <p:spPr bwMode="auto">
+          <a:xfrm>
+            <a:off x="2616200" y="1816100"/>
+            <a:ext cx="6972300" cy="4343400"/>
+          </a:xfrm>
+          <a:prstGeom prst="rect">
+            <a:avLst/>
+          </a:prstGeom>
+          <a:noFill/>
+          <a:ln w="9525">
+            <a:noFill/>
+            <a:headEnd/>
+            <a:tailEnd/>
+          </a:ln>
+        </p:spPr>
+      </p:pic>
+    </p:spTree>
+  </p:cSld>
+</p:sld>
+</file>
+
+<file path=ppt/slides/slide12.xml><?xml version="1.0" encoding="utf-8"?>
+<p:sld xmlns:a="http://schemas.openxmlformats.org/drawingml/2006/main" xmlns:r="http://schemas.openxmlformats.org/officeDocument/2006/relationships" xmlns:p="http://schemas.openxmlformats.org/presentationml/2006/main">
+  <p:cSld>
+    <p:spTree>
+      <p:nvGrpSpPr>
+        <p:cNvPr id="1" name=""/>
+        <p:cNvGrpSpPr/>
+        <p:nvPr/>
+      </p:nvGrpSpPr>
+      <p:grpSpPr>
+        <a:xfrm>
+          <a:off x="0" y="0"/>
+          <a:ext cx="0" cy="0"/>
+          <a:chOff x="0" y="0"/>
+          <a:chExt cx="0" cy="0"/>
+        </a:xfrm>
+      </p:grpSpPr>
+      <p:sp>
+        <p:nvSpPr>
+          <p:cNvPr id="2" name="Title 1">
+            <a:extLst>
+              <a:ext uri="{FF2B5EF4-FFF2-40B4-BE49-F238E27FC236}">
+                <a16:creationId xmlns:a16="http://schemas.microsoft.com/office/drawing/2014/main" id="{DD9B8E45-0772-954C-8D4B-6E6808DFEDED}"/>
+              </a:ext>
+            </a:extLst>
+          </p:cNvPr>
+          <p:cNvSpPr>
+            <a:spLocks noGrp="1"/>
+          </p:cNvSpPr>
+          <p:nvPr>
+            <p:ph type="title"/>
+          </p:nvPr>
+        </p:nvSpPr>
+        <p:spPr>
+          <a:xfrm>
+            <a:off x="838200" y="365129"/>
+            <a:ext cx="10002520" cy="1325563"/>
+          </a:xfrm>
+          <a:prstGeom prst="rect">
+            <a:avLst/>
+          </a:prstGeom>
+        </p:spPr>
+        <p:txBody>
+          <a:bodyPr/>
+          <a:lstStyle/>
+          <a:p>
+            <a:pPr lvl="0" indent="0" marL="0">
+              <a:buNone/>
+            </a:pPr>
+            <a:r>
+              <a:rPr/>
+              <a:t>Barber (2004) Tables 3 and 4</a:t>
+            </a:r>
+          </a:p>
+        </p:txBody>
+      </p:sp>
+    </p:spTree>
+  </p:cSld>
+</p:sld>
+</file>
+
+<file path=ppt/slides/slide13.xml><?xml version="1.0" encoding="utf-8"?>
+<p:sld xmlns:a="http://schemas.openxmlformats.org/drawingml/2006/main" xmlns:r="http://schemas.openxmlformats.org/officeDocument/2006/relationships" xmlns:p="http://schemas.openxmlformats.org/presentationml/2006/main">
+  <p:cSld>
+    <p:spTree>
+      <p:nvGrpSpPr>
+        <p:cNvPr id="1" name=""/>
+        <p:cNvGrpSpPr/>
+        <p:nvPr/>
+      </p:nvGrpSpPr>
+      <p:grpSpPr>
+        <a:xfrm>
+          <a:off x="0" y="0"/>
+          <a:ext cx="0" cy="0"/>
+          <a:chOff x="0" y="0"/>
+          <a:chExt cx="0" cy="0"/>
+        </a:xfrm>
+      </p:grpSpPr>
+      <p:sp>
+        <p:nvSpPr>
+          <p:cNvPr id="2" name="Title 1">
+            <a:extLst>
+              <a:ext uri="{FF2B5EF4-FFF2-40B4-BE49-F238E27FC236}">
+                <a16:creationId xmlns:a16="http://schemas.microsoft.com/office/drawing/2014/main" id="{DD9B8E45-0772-954C-8D4B-6E6808DFEDED}"/>
+              </a:ext>
+            </a:extLst>
+          </p:cNvPr>
+          <p:cNvSpPr>
+            <a:spLocks noGrp="1"/>
+          </p:cNvSpPr>
+          <p:nvPr>
+            <p:ph type="title"/>
+          </p:nvPr>
+        </p:nvSpPr>
+        <p:spPr>
+          <a:xfrm>
+            <a:off x="838200" y="365129"/>
+            <a:ext cx="10002520" cy="1325563"/>
+          </a:xfrm>
+          <a:prstGeom prst="rect">
+            <a:avLst/>
+          </a:prstGeom>
+        </p:spPr>
+        <p:txBody>
+          <a:bodyPr/>
+          <a:lstStyle/>
+          <a:p>
+            <a:pPr lvl="0" indent="0" marL="0">
+              <a:buNone/>
+            </a:pPr>
+            <a:r>
+              <a:rPr/>
+              <a:t>Let’s look at the example from last week</a:t>
+            </a:r>
+          </a:p>
+        </p:txBody>
+      </p:sp>
+      <p:pic>
+        <p:nvPicPr>
+          <p:cNvPr descr="images/paste-18F30242.png" id="0" name="Picture 1"/>
+          <p:cNvPicPr>
+            <a:picLocks noGrp="1" noChangeAspect="1"/>
+          </p:cNvPicPr>
+          <p:nvPr/>
+        </p:nvPicPr>
+        <p:blipFill>
+          <a:blip r:embed="rId2"/>
+          <a:stretch>
+            <a:fillRect/>
+          </a:stretch>
+        </p:blipFill>
+        <p:spPr bwMode="auto">
+          <a:xfrm>
+            <a:off x="2743200" y="1816100"/>
+            <a:ext cx="6705600" cy="4343400"/>
+          </a:xfrm>
+          <a:prstGeom prst="rect">
+            <a:avLst/>
+          </a:prstGeom>
+          <a:noFill/>
+          <a:ln w="9525">
+            <a:noFill/>
+            <a:headEnd/>
+            <a:tailEnd/>
+          </a:ln>
+        </p:spPr>
+      </p:pic>
+    </p:spTree>
+  </p:cSld>
+</p:sld>
+</file>
+
+<file path=ppt/slides/slide14.xml><?xml version="1.0" encoding="utf-8"?>
+<p:sld xmlns:a="http://schemas.openxmlformats.org/drawingml/2006/main" xmlns:r="http://schemas.openxmlformats.org/officeDocument/2006/relationships" xmlns:p="http://schemas.openxmlformats.org/presentationml/2006/main">
+  <p:cSld>
+    <p:spTree>
+      <p:nvGrpSpPr>
+        <p:cNvPr id="1" name=""/>
+        <p:cNvGrpSpPr/>
+        <p:nvPr/>
+      </p:nvGrpSpPr>
+      <p:grpSpPr>
+        <a:xfrm>
+          <a:off x="0" y="0"/>
+          <a:ext cx="0" cy="0"/>
+          <a:chOff x="0" y="0"/>
+          <a:chExt cx="0" cy="0"/>
+        </a:xfrm>
+      </p:grpSpPr>
+      <p:sp>
+        <p:nvSpPr>
+          <p:cNvPr id="2" name="Title 1">
+            <a:extLst>
+              <a:ext uri="{FF2B5EF4-FFF2-40B4-BE49-F238E27FC236}">
+                <a16:creationId xmlns:a16="http://schemas.microsoft.com/office/drawing/2014/main" id="{DD9B8E45-0772-954C-8D4B-6E6808DFEDED}"/>
+              </a:ext>
+            </a:extLst>
+          </p:cNvPr>
+          <p:cNvSpPr>
+            <a:spLocks noGrp="1"/>
+          </p:cNvSpPr>
+          <p:nvPr>
+            <p:ph type="title"/>
+          </p:nvPr>
+        </p:nvSpPr>
+        <p:spPr>
+          <a:xfrm>
+            <a:off x="838200" y="365129"/>
+            <a:ext cx="10002520" cy="1325563"/>
+          </a:xfrm>
+          <a:prstGeom prst="rect">
+            <a:avLst/>
+          </a:prstGeom>
+        </p:spPr>
+        <p:txBody>
+          <a:bodyPr/>
+          <a:lstStyle/>
+          <a:p>
+            <a:pPr lvl="0" indent="0" marL="0">
+              <a:buNone/>
+            </a:pPr>
+            <a:r>
+              <a:rPr/>
+              <a:t>How do I do it? [one approach]</a:t>
+            </a:r>
+          </a:p>
+        </p:txBody>
+      </p:sp>
+      <p:sp>
+        <p:nvSpPr>
+          <p:cNvPr id="3" name="Content Placeholder 2">
+            <a:extLst>
+              <a:ext uri="{FF2B5EF4-FFF2-40B4-BE49-F238E27FC236}">
+                <a16:creationId xmlns:a16="http://schemas.microsoft.com/office/drawing/2014/main" id="{A4EB24F9-04F1-C843-9D71-56C5C024552B}"/>
+              </a:ext>
+            </a:extLst>
+          </p:cNvPr>
+          <p:cNvSpPr>
+            <a:spLocks noGrp="1"/>
+          </p:cNvSpPr>
+          <p:nvPr>
+            <p:ph idx="1"/>
+          </p:nvPr>
+        </p:nvSpPr>
+        <p:spPr/>
+        <p:txBody>
+          <a:bodyPr/>
+          <a:lstStyle/>
+          <a:p>
+            <a:pPr lvl="0" indent="0" marL="0">
+              <a:buNone/>
+            </a:pPr>
+            <a:r>
+              <a:rPr/>
+              <a:t>Review literature on a key part of your ‘puzzle’ (an IV, a ‘tool’, the DV etc)</a:t>
+            </a:r>
+          </a:p>
+          <a:p>
+            <a:pPr lvl="0" indent="0" marL="0">
+              <a:buNone/>
+            </a:pPr>
+            <a:r>
+              <a:rPr/>
+              <a:t>Apply critical evaluation to carefully chosen paper(s)</a:t>
+            </a:r>
+          </a:p>
+          <a:p>
+            <a:pPr lvl="0" indent="0" marL="0">
+              <a:buNone/>
+            </a:pPr>
+            <a:r>
+              <a:rPr/>
+              <a:t>Consider how it might realistically guide or inform your own research</a:t>
+            </a:r>
+          </a:p>
+          <a:p>
+            <a:pPr lvl="0" indent="0" marL="0">
+              <a:buNone/>
+            </a:pPr>
+            <a:r>
+              <a:rPr/>
+              <a:t>Identify a procedure to partially replicate, replicate, or replicate and extend/improve</a:t>
+            </a:r>
+          </a:p>
+        </p:txBody>
+      </p:sp>
+    </p:spTree>
+  </p:cSld>
+</p:sld>
+</file>
+
+<file path=ppt/slides/slide15.xml><?xml version="1.0" encoding="utf-8"?>
+<p:sld xmlns:a="http://schemas.openxmlformats.org/drawingml/2006/main" xmlns:r="http://schemas.openxmlformats.org/officeDocument/2006/relationships" xmlns:p="http://schemas.openxmlformats.org/presentationml/2006/main">
+  <p:cSld>
+    <p:spTree>
+      <p:nvGrpSpPr>
+        <p:cNvPr id="1" name=""/>
+        <p:cNvGrpSpPr/>
+        <p:nvPr/>
+      </p:nvGrpSpPr>
+      <p:grpSpPr>
+        <a:xfrm>
+          <a:off x="0" y="0"/>
+          <a:ext cx="0" cy="0"/>
+          <a:chOff x="0" y="0"/>
+          <a:chExt cx="0" cy="0"/>
+        </a:xfrm>
+      </p:grpSpPr>
+      <p:sp>
+        <p:nvSpPr>
+          <p:cNvPr id="2" name="Title 1">
+            <a:extLst>
+              <a:ext uri="{FF2B5EF4-FFF2-40B4-BE49-F238E27FC236}">
+                <a16:creationId xmlns:a16="http://schemas.microsoft.com/office/drawing/2014/main" id="{DD9B8E45-0772-954C-8D4B-6E6808DFEDED}"/>
+              </a:ext>
+            </a:extLst>
+          </p:cNvPr>
+          <p:cNvSpPr>
+            <a:spLocks noGrp="1"/>
+          </p:cNvSpPr>
+          <p:nvPr>
+            <p:ph type="title"/>
+          </p:nvPr>
+        </p:nvSpPr>
+        <p:spPr>
+          <a:xfrm>
+            <a:off x="838200" y="365129"/>
+            <a:ext cx="10002520" cy="1325563"/>
+          </a:xfrm>
+          <a:prstGeom prst="rect">
+            <a:avLst/>
+          </a:prstGeom>
+        </p:spPr>
+        <p:txBody>
+          <a:bodyPr/>
+          <a:lstStyle/>
+          <a:p>
+            <a:pPr lvl="0" indent="0" marL="0">
+              <a:buNone/>
+            </a:pPr>
+            <a:r>
+              <a:rPr/>
+              <a:t>or</a:t>
+            </a:r>
+          </a:p>
+        </p:txBody>
+      </p:sp>
+      <p:sp>
+        <p:nvSpPr>
+          <p:cNvPr id="3" name="Content Placeholder 2">
+            <a:extLst>
+              <a:ext uri="{FF2B5EF4-FFF2-40B4-BE49-F238E27FC236}">
+                <a16:creationId xmlns:a16="http://schemas.microsoft.com/office/drawing/2014/main" id="{A4EB24F9-04F1-C843-9D71-56C5C024552B}"/>
+              </a:ext>
+            </a:extLst>
+          </p:cNvPr>
+          <p:cNvSpPr>
+            <a:spLocks noGrp="1"/>
+          </p:cNvSpPr>
+          <p:nvPr>
+            <p:ph idx="1"/>
+          </p:nvPr>
+        </p:nvSpPr>
+        <p:spPr/>
+        <p:txBody>
+          <a:bodyPr/>
+          <a:lstStyle/>
+          <a:p>
+            <a:pPr lvl="0" indent="0" marL="0">
+              <a:buNone/>
+            </a:pPr>
+            <a:r>
+              <a:rPr/>
+              <a:t>You could approach it strategically as a group.</a:t>
+            </a:r>
+          </a:p>
+          <a:p>
+            <a:pPr lvl="0" indent="0" marL="0">
+              <a:buNone/>
+            </a:pPr>
+            <a:r>
+              <a:rPr/>
+              <a:t>Identify areas to take ownership of, then divide and conquer!</a:t>
+            </a:r>
+          </a:p>
+          <a:p>
+            <a:pPr lvl="0" indent="0" marL="0">
+              <a:buNone/>
+            </a:pPr>
+            <a:r>
+              <a:rPr/>
+              <a:t>Or fly solo and agree to later apply the same process to a mutually beneficial part of your study</a:t>
+            </a:r>
+          </a:p>
+        </p:txBody>
+      </p:sp>
+    </p:spTree>
+  </p:cSld>
+</p:sld>
+</file>
+
+<file path=ppt/slides/slide16.xml><?xml version="1.0" encoding="utf-8"?>
+<p:sld xmlns:a="http://schemas.openxmlformats.org/drawingml/2006/main" xmlns:r="http://schemas.openxmlformats.org/officeDocument/2006/relationships" xmlns:p="http://schemas.openxmlformats.org/presentationml/2006/main">
+  <p:cSld>
+    <p:spTree>
+      <p:nvGrpSpPr>
+        <p:cNvPr id="1" name=""/>
+        <p:cNvGrpSpPr/>
+        <p:nvPr/>
+      </p:nvGrpSpPr>
+      <p:grpSpPr>
+        <a:xfrm>
+          <a:off x="0" y="0"/>
+          <a:ext cx="0" cy="0"/>
+          <a:chOff x="0" y="0"/>
+          <a:chExt cx="0" cy="0"/>
+        </a:xfrm>
+      </p:grpSpPr>
+    </p:spTree>
+  </p:cSld>
+</p:sld>
+</file>
+
+<file path=ppt/slides/slide17.xml><?xml version="1.0" encoding="utf-8"?>
+<p:sld xmlns:a="http://schemas.openxmlformats.org/drawingml/2006/main" xmlns:r="http://schemas.openxmlformats.org/officeDocument/2006/relationships" xmlns:p="http://schemas.openxmlformats.org/presentationml/2006/main">
+  <p:cSld>
+    <p:spTree>
+      <p:nvGrpSpPr>
+        <p:cNvPr id="1" name=""/>
+        <p:cNvGrpSpPr/>
+        <p:nvPr/>
+      </p:nvGrpSpPr>
+      <p:grpSpPr>
+        <a:xfrm>
+          <a:off x="0" y="0"/>
+          <a:ext cx="0" cy="0"/>
+          <a:chOff x="0" y="0"/>
+          <a:chExt cx="0" cy="0"/>
+        </a:xfrm>
+      </p:grpSpPr>
+      <p:sp>
+        <p:nvSpPr>
+          <p:cNvPr id="2" name="Title 1">
+            <a:extLst>
+              <a:ext uri="{FF2B5EF4-FFF2-40B4-BE49-F238E27FC236}">
+                <a16:creationId xmlns:a16="http://schemas.microsoft.com/office/drawing/2014/main" id="{DD9B8E45-0772-954C-8D4B-6E6808DFEDED}"/>
+              </a:ext>
+            </a:extLst>
+          </p:cNvPr>
+          <p:cNvSpPr>
+            <a:spLocks noGrp="1"/>
+          </p:cNvSpPr>
+          <p:nvPr>
+            <p:ph type="title"/>
+          </p:nvPr>
+        </p:nvSpPr>
+        <p:spPr>
+          <a:xfrm>
+            <a:off x="838200" y="365129"/>
+            <a:ext cx="10002520" cy="1325563"/>
+          </a:xfrm>
+          <a:prstGeom prst="rect">
+            <a:avLst/>
+          </a:prstGeom>
+        </p:spPr>
+        <p:txBody>
+          <a:bodyPr/>
+          <a:lstStyle/>
+          <a:p>
+            <a:pPr lvl="0" indent="0" marL="0">
+              <a:buNone/>
+            </a:pPr>
+            <a:r>
+              <a:rPr/>
+              <a:t>Critical Proposal Support</a:t>
+            </a:r>
+          </a:p>
+        </p:txBody>
+      </p:sp>
+      <p:pic>
+        <p:nvPicPr>
+          <p:cNvPr descr="fig:  images/paste-24D6E4F6.png" id="0" name="Picture 1"/>
+          <p:cNvPicPr>
+            <a:picLocks noGrp="1" noChangeAspect="1"/>
+          </p:cNvPicPr>
+          <p:nvPr/>
+        </p:nvPicPr>
+        <p:blipFill>
+          <a:blip r:embed="rId2"/>
+          <a:stretch>
+            <a:fillRect/>
+          </a:stretch>
+        </p:blipFill>
+        <p:spPr bwMode="auto">
+          <a:xfrm>
+            <a:off x="838200" y="3111500"/>
+            <a:ext cx="10515600" cy="1752600"/>
+          </a:xfrm>
+          <a:prstGeom prst="rect">
+            <a:avLst/>
+          </a:prstGeom>
+          <a:noFill/>
+          <a:ln w="9525">
+            <a:noFill/>
+            <a:headEnd/>
+            <a:tailEnd/>
+          </a:ln>
+        </p:spPr>
+      </p:pic>
+    </p:spTree>
+  </p:cSld>
+</p:sld>
+</file>
+
+<file path=ppt/slides/slide18.xml><?xml version="1.0" encoding="utf-8"?>
+<p:sld xmlns:a="http://schemas.openxmlformats.org/drawingml/2006/main" xmlns:r="http://schemas.openxmlformats.org/officeDocument/2006/relationships" xmlns:p="http://schemas.openxmlformats.org/presentationml/2006/main">
+  <p:cSld>
+    <p:spTree>
+      <p:nvGrpSpPr>
+        <p:cNvPr id="1" name=""/>
+        <p:cNvGrpSpPr/>
+        <p:nvPr/>
+      </p:nvGrpSpPr>
+      <p:grpSpPr>
+        <a:xfrm>
+          <a:off x="0" y="0"/>
+          <a:ext cx="0" cy="0"/>
+          <a:chOff x="0" y="0"/>
+          <a:chExt cx="0" cy="0"/>
+        </a:xfrm>
+      </p:grpSpPr>
+      <p:sp>
+        <p:nvSpPr>
+          <p:cNvPr id="2" name="Title 1">
+            <a:extLst>
+              <a:ext uri="{FF2B5EF4-FFF2-40B4-BE49-F238E27FC236}">
+                <a16:creationId xmlns:a16="http://schemas.microsoft.com/office/drawing/2014/main" id="{DD9B8E45-0772-954C-8D4B-6E6808DFEDED}"/>
+              </a:ext>
+            </a:extLst>
+          </p:cNvPr>
+          <p:cNvSpPr>
+            <a:spLocks noGrp="1"/>
+          </p:cNvSpPr>
+          <p:nvPr>
+            <p:ph type="title"/>
+          </p:nvPr>
+        </p:nvSpPr>
+        <p:spPr>
+          <a:xfrm>
+            <a:off x="838200" y="365129"/>
+            <a:ext cx="10002520" cy="1325563"/>
+          </a:xfrm>
+          <a:prstGeom prst="rect">
+            <a:avLst/>
+          </a:prstGeom>
+        </p:spPr>
+        <p:txBody>
+          <a:bodyPr/>
+          <a:lstStyle/>
+          <a:p>
+            <a:pPr lvl="0" indent="0" marL="0">
+              <a:buNone/>
+            </a:pPr>
+            <a:r>
+              <a:rPr/>
+              <a:t>Briefing</a:t>
+            </a:r>
+          </a:p>
+        </p:txBody>
+      </p:sp>
+      <p:pic>
+        <p:nvPicPr>
+          <p:cNvPr descr="images/paste-502C4F9E.png" id="0" name="Picture 1"/>
+          <p:cNvPicPr>
+            <a:picLocks noGrp="1" noChangeAspect="1"/>
+          </p:cNvPicPr>
+          <p:nvPr/>
+        </p:nvPicPr>
+        <p:blipFill>
+          <a:blip r:embed="rId2"/>
+          <a:stretch>
+            <a:fillRect/>
+          </a:stretch>
+        </p:blipFill>
+        <p:spPr bwMode="auto">
+          <a:xfrm>
+            <a:off x="838200" y="1866900"/>
+            <a:ext cx="10515600" cy="4241800"/>
+          </a:xfrm>
+          <a:prstGeom prst="rect">
+            <a:avLst/>
+          </a:prstGeom>
+          <a:noFill/>
+          <a:ln w="9525">
+            <a:noFill/>
+            <a:headEnd/>
+            <a:tailEnd/>
+          </a:ln>
+        </p:spPr>
+      </p:pic>
+    </p:spTree>
+  </p:cSld>
+</p:sld>
+</file>
+
+<file path=ppt/slides/slide19.xml><?xml version="1.0" encoding="utf-8"?>
+<p:sld xmlns:a="http://schemas.openxmlformats.org/drawingml/2006/main" xmlns:r="http://schemas.openxmlformats.org/officeDocument/2006/relationships" xmlns:p="http://schemas.openxmlformats.org/presentationml/2006/main">
+  <p:cSld>
+    <p:spTree>
+      <p:nvGrpSpPr>
+        <p:cNvPr id="1" name=""/>
+        <p:cNvGrpSpPr/>
+        <p:nvPr/>
+      </p:nvGrpSpPr>
+      <p:grpSpPr>
+        <a:xfrm>
+          <a:off x="0" y="0"/>
+          <a:ext cx="0" cy="0"/>
+          <a:chOff x="0" y="0"/>
+          <a:chExt cx="0" cy="0"/>
+        </a:xfrm>
+      </p:grpSpPr>
+      <p:sp>
+        <p:nvSpPr>
+          <p:cNvPr id="2" name="Title 1">
+            <a:extLst>
+              <a:ext uri="{FF2B5EF4-FFF2-40B4-BE49-F238E27FC236}">
+                <a16:creationId xmlns:a16="http://schemas.microsoft.com/office/drawing/2014/main" id="{DD9B8E45-0772-954C-8D4B-6E6808DFEDED}"/>
+              </a:ext>
+            </a:extLst>
+          </p:cNvPr>
+          <p:cNvSpPr>
+            <a:spLocks noGrp="1"/>
+          </p:cNvSpPr>
+          <p:nvPr>
+            <p:ph type="title"/>
+          </p:nvPr>
+        </p:nvSpPr>
+        <p:spPr>
+          <a:xfrm>
+            <a:off x="838200" y="365129"/>
+            <a:ext cx="10002520" cy="1325563"/>
+          </a:xfrm>
+          <a:prstGeom prst="rect">
+            <a:avLst/>
+          </a:prstGeom>
+        </p:spPr>
+        <p:txBody>
+          <a:bodyPr/>
+          <a:lstStyle/>
+          <a:p>
+            <a:pPr lvl="0" indent="0" marL="0">
+              <a:buNone/>
+            </a:pPr>
+            <a:r>
+              <a:rPr/>
+              <a:t>Please follow these</a:t>
+            </a:r>
+          </a:p>
+        </p:txBody>
+      </p:sp>
+      <p:pic>
+        <p:nvPicPr>
+          <p:cNvPr descr="images/paste-7EC89469.png" id="0" name="Picture 1"/>
+          <p:cNvPicPr>
+            <a:picLocks noGrp="1" noChangeAspect="1"/>
+          </p:cNvPicPr>
+          <p:nvPr/>
+        </p:nvPicPr>
+        <p:blipFill>
+          <a:blip r:embed="rId2"/>
+          <a:stretch>
+            <a:fillRect/>
+          </a:stretch>
+        </p:blipFill>
+        <p:spPr bwMode="auto">
+          <a:xfrm>
+            <a:off x="2654300" y="1816100"/>
+            <a:ext cx="6896100" cy="4343400"/>
+          </a:xfrm>
+          <a:prstGeom prst="rect">
+            <a:avLst/>
+          </a:prstGeom>
+          <a:noFill/>
+          <a:ln w="9525">
+            <a:noFill/>
+            <a:headEnd/>
+            <a:tailEnd/>
+          </a:ln>
+        </p:spPr>
+      </p:pic>
     </p:spTree>
   </p:cSld>
 </p:sld>
@@ -5486,7 +5960,9 @@
           <a:bodyPr/>
           <a:lstStyle/>
           <a:p>
-            <a:pPr lvl="0"/>
+            <a:pPr lvl="0" indent="0" marL="0">
+              <a:buNone/>
+            </a:pPr>
             <a:r>
               <a:rPr/>
               <a:t>The week ahead</a:t>
@@ -5496,28 +5972,767 @@
             <a:pPr lvl="0"/>
             <a:r>
               <a:rPr/>
-              <a:t>Some Induction Week Poll insights [in the lecture]</a:t>
+              <a:t>Personal Tutor Meeting about Mini-Dissertation this week</a:t>
             </a:r>
           </a:p>
           <a:p>
             <a:pPr lvl="0"/>
             <a:r>
               <a:rPr/>
-              <a:t>The research process you are beginning</a:t>
+              <a:t>also Weeks 8 (ethics), 13 (write-up prep), 17 (Stats)</a:t>
+            </a:r>
+          </a:p>
+          <a:p>
+            <a:pPr lvl="1"/>
+            <a:r>
+              <a:rPr/>
+              <a:t>It is your time, PTs have been told to follow your lead</a:t>
             </a:r>
           </a:p>
           <a:p>
             <a:pPr lvl="0"/>
             <a:r>
               <a:rPr/>
-              <a:t>A couple of CHIP topics to vote on</a:t>
+              <a:t>Critical Proposal overview and tips</a:t>
             </a:r>
           </a:p>
           <a:p>
             <a:pPr lvl="0"/>
             <a:r>
               <a:rPr/>
-              <a:t>Lab preview - The process, time-management and teamwork</a:t>
+              <a:t>Lab preview - Literature search and management</a:t>
+            </a:r>
+          </a:p>
+          <a:p>
+            <a:pPr lvl="1"/>
+            <a:r>
+              <a:rPr/>
+              <a:t>Your Critical Proposal Target Paper</a:t>
+            </a:r>
+          </a:p>
+        </p:txBody>
+      </p:sp>
+    </p:spTree>
+  </p:cSld>
+</p:sld>
+</file>
+
+<file path=ppt/slides/slide20.xml><?xml version="1.0" encoding="utf-8"?>
+<p:sld xmlns:a="http://schemas.openxmlformats.org/drawingml/2006/main" xmlns:r="http://schemas.openxmlformats.org/officeDocument/2006/relationships" xmlns:p="http://schemas.openxmlformats.org/presentationml/2006/main">
+  <p:cSld>
+    <p:spTree>
+      <p:nvGrpSpPr>
+        <p:cNvPr id="1" name=""/>
+        <p:cNvGrpSpPr/>
+        <p:nvPr/>
+      </p:nvGrpSpPr>
+      <p:grpSpPr>
+        <a:xfrm>
+          <a:off x="0" y="0"/>
+          <a:ext cx="0" cy="0"/>
+          <a:chOff x="0" y="0"/>
+          <a:chExt cx="0" cy="0"/>
+        </a:xfrm>
+      </p:grpSpPr>
+      <p:sp>
+        <p:nvSpPr>
+          <p:cNvPr id="2" name="Title 1">
+            <a:extLst>
+              <a:ext uri="{FF2B5EF4-FFF2-40B4-BE49-F238E27FC236}">
+                <a16:creationId xmlns:a16="http://schemas.microsoft.com/office/drawing/2014/main" id="{DD9B8E45-0772-954C-8D4B-6E6808DFEDED}"/>
+              </a:ext>
+            </a:extLst>
+          </p:cNvPr>
+          <p:cNvSpPr>
+            <a:spLocks noGrp="1"/>
+          </p:cNvSpPr>
+          <p:nvPr>
+            <p:ph type="title"/>
+          </p:nvPr>
+        </p:nvSpPr>
+        <p:spPr>
+          <a:xfrm>
+            <a:off x="838200" y="365129"/>
+            <a:ext cx="10002520" cy="1325563"/>
+          </a:xfrm>
+          <a:prstGeom prst="rect">
+            <a:avLst/>
+          </a:prstGeom>
+        </p:spPr>
+        <p:txBody>
+          <a:bodyPr/>
+          <a:lstStyle/>
+          <a:p>
+            <a:pPr lvl="0" indent="0" marL="0">
+              <a:buNone/>
+            </a:pPr>
+            <a:r>
+              <a:rPr/>
+              <a:t>More tips</a:t>
+            </a:r>
+          </a:p>
+        </p:txBody>
+      </p:sp>
+      <p:sp>
+        <p:nvSpPr>
+          <p:cNvPr id="3" name="Content Placeholder 2">
+            <a:extLst>
+              <a:ext uri="{FF2B5EF4-FFF2-40B4-BE49-F238E27FC236}">
+                <a16:creationId xmlns:a16="http://schemas.microsoft.com/office/drawing/2014/main" id="{A4EB24F9-04F1-C843-9D71-56C5C024552B}"/>
+              </a:ext>
+            </a:extLst>
+          </p:cNvPr>
+          <p:cNvSpPr>
+            <a:spLocks noGrp="1"/>
+          </p:cNvSpPr>
+          <p:nvPr>
+            <p:ph idx="1"/>
+          </p:nvPr>
+        </p:nvSpPr>
+        <p:spPr/>
+        <p:txBody>
+          <a:bodyPr/>
+          <a:lstStyle/>
+          <a:p>
+            <a:pPr lvl="0"/>
+            <a:r>
+              <a:rPr/>
+              <a:t>Please review the “SUGGESTED ESSAY OUTLINE” in the coursework briefing</a:t>
+            </a:r>
+          </a:p>
+          <a:p>
+            <a:pPr lvl="0"/>
+            <a:r>
+              <a:rPr/>
+              <a:t>No need to follow it roboticly, be strategic &amp; selective in terms of details</a:t>
+            </a:r>
+          </a:p>
+          <a:p>
+            <a:pPr lvl="0"/>
+            <a:r>
+              <a:rPr u="sng"/>
+              <a:t>Selection of a ‘good’ paper to focus on is an integral part of the assessment</a:t>
+            </a:r>
+            <a:r>
+              <a:rPr/>
+              <a:t>!</a:t>
+            </a:r>
+          </a:p>
+          <a:p>
+            <a:pPr lvl="0"/>
+            <a:r>
+              <a:rPr/>
+              <a:t>Do you think the first google result will be a fruitful paper? No, of course you don’t!</a:t>
+            </a:r>
+          </a:p>
+          <a:p>
+            <a:pPr lvl="0"/>
+            <a:r>
+              <a:rPr/>
+              <a:t>Use your Lab Tutor and me to get a sense of confidence. Early.</a:t>
+            </a:r>
+          </a:p>
+          <a:p>
+            <a:pPr lvl="0"/>
+            <a:r>
+              <a:rPr/>
+              <a:t>Tell us how you are searching and what you are looking for</a:t>
+            </a:r>
+          </a:p>
+          <a:p>
+            <a:pPr lvl="0"/>
+            <a:r>
+              <a:rPr/>
+              <a:t>Confirm the paper with us in a lab session [Priority given for this]</a:t>
+            </a:r>
+          </a:p>
+        </p:txBody>
+      </p:sp>
+    </p:spTree>
+  </p:cSld>
+</p:sld>
+</file>
+
+<file path=ppt/slides/slide21.xml><?xml version="1.0" encoding="utf-8"?>
+<p:sld xmlns:a="http://schemas.openxmlformats.org/drawingml/2006/main" xmlns:r="http://schemas.openxmlformats.org/officeDocument/2006/relationships" xmlns:p="http://schemas.openxmlformats.org/presentationml/2006/main">
+  <p:cSld>
+    <p:spTree>
+      <p:nvGrpSpPr>
+        <p:cNvPr id="1" name=""/>
+        <p:cNvGrpSpPr/>
+        <p:nvPr/>
+      </p:nvGrpSpPr>
+      <p:grpSpPr>
+        <a:xfrm>
+          <a:off x="0" y="0"/>
+          <a:ext cx="0" cy="0"/>
+          <a:chOff x="0" y="0"/>
+          <a:chExt cx="0" cy="0"/>
+        </a:xfrm>
+      </p:grpSpPr>
+      <p:sp>
+        <p:nvSpPr>
+          <p:cNvPr id="2" name="Title 1">
+            <a:extLst>
+              <a:ext uri="{FF2B5EF4-FFF2-40B4-BE49-F238E27FC236}">
+                <a16:creationId xmlns:a16="http://schemas.microsoft.com/office/drawing/2014/main" id="{DD9B8E45-0772-954C-8D4B-6E6808DFEDED}"/>
+              </a:ext>
+            </a:extLst>
+          </p:cNvPr>
+          <p:cNvSpPr>
+            <a:spLocks noGrp="1"/>
+          </p:cNvSpPr>
+          <p:nvPr>
+            <p:ph type="title"/>
+          </p:nvPr>
+        </p:nvSpPr>
+        <p:spPr>
+          <a:xfrm>
+            <a:off x="838200" y="365129"/>
+            <a:ext cx="10002520" cy="1325563"/>
+          </a:xfrm>
+          <a:prstGeom prst="rect">
+            <a:avLst/>
+          </a:prstGeom>
+        </p:spPr>
+        <p:txBody>
+          <a:bodyPr/>
+          <a:lstStyle/>
+          <a:p>
+            <a:pPr lvl="0" indent="0" marL="0">
+              <a:buNone/>
+            </a:pPr>
+            <a:r>
+              <a:rPr/>
+              <a:t>Even more tips</a:t>
+            </a:r>
+          </a:p>
+        </p:txBody>
+      </p:sp>
+      <p:sp>
+        <p:nvSpPr>
+          <p:cNvPr id="3" name="Content Placeholder 2">
+            <a:extLst>
+              <a:ext uri="{FF2B5EF4-FFF2-40B4-BE49-F238E27FC236}">
+                <a16:creationId xmlns:a16="http://schemas.microsoft.com/office/drawing/2014/main" id="{A4EB24F9-04F1-C843-9D71-56C5C024552B}"/>
+              </a:ext>
+            </a:extLst>
+          </p:cNvPr>
+          <p:cNvSpPr>
+            <a:spLocks noGrp="1"/>
+          </p:cNvSpPr>
+          <p:nvPr>
+            <p:ph idx="1"/>
+          </p:nvPr>
+        </p:nvSpPr>
+        <p:spPr/>
+        <p:txBody>
+          <a:bodyPr/>
+          <a:lstStyle/>
+          <a:p>
+            <a:pPr lvl="0"/>
+            <a:r>
+              <a:rPr/>
+              <a:t>Use some of the tools presented in the lab activity to help track down a suitable paper</a:t>
+            </a:r>
+          </a:p>
+          <a:p>
+            <a:pPr lvl="0"/>
+            <a:r>
+              <a:rPr/>
+              <a:t>Give yourself time to read, review, re-read and select your juiciest points</a:t>
+            </a:r>
+          </a:p>
+          <a:p>
+            <a:pPr lvl="0"/>
+            <a:r>
+              <a:rPr/>
+              <a:t>Avoid any discussion of methodologies that cannot inform your study directly</a:t>
+            </a:r>
+          </a:p>
+          <a:p>
+            <a:pPr lvl="1"/>
+            <a:r>
+              <a:rPr/>
+              <a:t>e.g. Clinical diagnostic procedures, fMRI technicalities, Criminal Record or Case Study review procedures</a:t>
+            </a:r>
+          </a:p>
+        </p:txBody>
+      </p:sp>
+    </p:spTree>
+  </p:cSld>
+</p:sld>
+</file>
+
+<file path=ppt/slides/slide22.xml><?xml version="1.0" encoding="utf-8"?>
+<p:sld xmlns:a="http://schemas.openxmlformats.org/drawingml/2006/main" xmlns:r="http://schemas.openxmlformats.org/officeDocument/2006/relationships" xmlns:p="http://schemas.openxmlformats.org/presentationml/2006/main">
+  <p:cSld>
+    <p:spTree>
+      <p:nvGrpSpPr>
+        <p:cNvPr id="1" name=""/>
+        <p:cNvGrpSpPr/>
+        <p:nvPr/>
+      </p:nvGrpSpPr>
+      <p:grpSpPr>
+        <a:xfrm>
+          <a:off x="0" y="0"/>
+          <a:ext cx="0" cy="0"/>
+          <a:chOff x="0" y="0"/>
+          <a:chExt cx="0" cy="0"/>
+        </a:xfrm>
+      </p:grpSpPr>
+      <p:sp>
+        <p:nvSpPr>
+          <p:cNvPr id="2" name="Title 1">
+            <a:extLst>
+              <a:ext uri="{FF2B5EF4-FFF2-40B4-BE49-F238E27FC236}">
+                <a16:creationId xmlns:a16="http://schemas.microsoft.com/office/drawing/2014/main" id="{DD9B8E45-0772-954C-8D4B-6E6808DFEDED}"/>
+              </a:ext>
+            </a:extLst>
+          </p:cNvPr>
+          <p:cNvSpPr>
+            <a:spLocks noGrp="1"/>
+          </p:cNvSpPr>
+          <p:nvPr>
+            <p:ph type="title"/>
+          </p:nvPr>
+        </p:nvSpPr>
+        <p:spPr>
+          <a:xfrm>
+            <a:off x="838200" y="365129"/>
+            <a:ext cx="10002520" cy="1325563"/>
+          </a:xfrm>
+          <a:prstGeom prst="rect">
+            <a:avLst/>
+          </a:prstGeom>
+        </p:spPr>
+        <p:txBody>
+          <a:bodyPr/>
+          <a:lstStyle/>
+          <a:p>
+            <a:pPr lvl="0" indent="0" marL="0">
+              <a:buNone/>
+            </a:pPr>
+            <a:r>
+              <a:rPr/>
+              <a:t>You can (will) use LOTS of this in your MD!</a:t>
+            </a:r>
+          </a:p>
+        </p:txBody>
+      </p:sp>
+      <p:sp>
+        <p:nvSpPr>
+          <p:cNvPr id="3" name="Content Placeholder 2">
+            <a:extLst>
+              <a:ext uri="{FF2B5EF4-FFF2-40B4-BE49-F238E27FC236}">
+                <a16:creationId xmlns:a16="http://schemas.microsoft.com/office/drawing/2014/main" id="{A4EB24F9-04F1-C843-9D71-56C5C024552B}"/>
+              </a:ext>
+            </a:extLst>
+          </p:cNvPr>
+          <p:cNvSpPr>
+            <a:spLocks noGrp="1"/>
+          </p:cNvSpPr>
+          <p:nvPr>
+            <p:ph idx="1"/>
+          </p:nvPr>
+        </p:nvSpPr>
+        <p:spPr/>
+        <p:txBody>
+          <a:bodyPr/>
+          <a:lstStyle/>
+          <a:p>
+            <a:pPr lvl="0" indent="0" marL="0">
+              <a:buNone/>
+            </a:pPr>
+            <a:r>
+              <a:rPr/>
+              <a:t>This isn’t a sidetrack exercise. It’s a critical step in your project</a:t>
+            </a:r>
+          </a:p>
+          <a:p>
+            <a:pPr lvl="0" indent="0" marL="0">
+              <a:buNone/>
+            </a:pPr>
+            <a:r>
+              <a:rPr/>
+              <a:t>Note your references, note your main points, be organised</a:t>
+            </a:r>
+          </a:p>
+        </p:txBody>
+      </p:sp>
+    </p:spTree>
+  </p:cSld>
+</p:sld>
+</file>
+
+<file path=ppt/slides/slide23.xml><?xml version="1.0" encoding="utf-8"?>
+<p:sld xmlns:a="http://schemas.openxmlformats.org/drawingml/2006/main" xmlns:r="http://schemas.openxmlformats.org/officeDocument/2006/relationships" xmlns:p="http://schemas.openxmlformats.org/presentationml/2006/main">
+  <p:cSld>
+    <p:spTree>
+      <p:nvGrpSpPr>
+        <p:cNvPr id="1" name=""/>
+        <p:cNvGrpSpPr/>
+        <p:nvPr/>
+      </p:nvGrpSpPr>
+      <p:grpSpPr>
+        <a:xfrm>
+          <a:off x="0" y="0"/>
+          <a:ext cx="0" cy="0"/>
+          <a:chOff x="0" y="0"/>
+          <a:chExt cx="0" cy="0"/>
+        </a:xfrm>
+      </p:grpSpPr>
+      <p:sp>
+        <p:nvSpPr>
+          <p:cNvPr id="2" name="Title 1">
+            <a:extLst>
+              <a:ext uri="{FF2B5EF4-FFF2-40B4-BE49-F238E27FC236}">
+                <a16:creationId xmlns:a16="http://schemas.microsoft.com/office/drawing/2014/main" id="{FF6A6CB2-D1B6-B94A-84C1-83C65423C650}"/>
+              </a:ext>
+            </a:extLst>
+          </p:cNvPr>
+          <p:cNvSpPr>
+            <a:spLocks noGrp="1"/>
+          </p:cNvSpPr>
+          <p:nvPr>
+            <p:ph type="title"/>
+          </p:nvPr>
+        </p:nvSpPr>
+        <p:spPr>
+          <a:xfrm>
+            <a:off x="831851" y="1709742"/>
+            <a:ext cx="10515600" cy="2852737"/>
+          </a:xfrm>
+          <a:prstGeom prst="rect">
+            <a:avLst/>
+          </a:prstGeom>
+        </p:spPr>
+        <p:txBody>
+          <a:bodyPr/>
+          <a:lstStyle/>
+          <a:p>
+            <a:pPr lvl="0" indent="0" marL="0">
+              <a:buNone/>
+            </a:pPr>
+            <a:r>
+              <a:rPr/>
+              <a:t>Questions?</a:t>
+            </a:r>
+          </a:p>
+        </p:txBody>
+      </p:sp>
+    </p:spTree>
+  </p:cSld>
+</p:sld>
+</file>
+
+<file path=ppt/slides/slide24.xml><?xml version="1.0" encoding="utf-8"?>
+<p:sld xmlns:a="http://schemas.openxmlformats.org/drawingml/2006/main" xmlns:r="http://schemas.openxmlformats.org/officeDocument/2006/relationships" xmlns:p="http://schemas.openxmlformats.org/presentationml/2006/main">
+  <p:cSld>
+    <p:spTree>
+      <p:nvGrpSpPr>
+        <p:cNvPr id="1" name=""/>
+        <p:cNvGrpSpPr/>
+        <p:nvPr/>
+      </p:nvGrpSpPr>
+      <p:grpSpPr>
+        <a:xfrm>
+          <a:off x="0" y="0"/>
+          <a:ext cx="0" cy="0"/>
+          <a:chOff x="0" y="0"/>
+          <a:chExt cx="0" cy="0"/>
+        </a:xfrm>
+      </p:grpSpPr>
+      <p:sp>
+        <p:nvSpPr>
+          <p:cNvPr id="2" name="Title 1">
+            <a:extLst>
+              <a:ext uri="{FF2B5EF4-FFF2-40B4-BE49-F238E27FC236}">
+                <a16:creationId xmlns:a16="http://schemas.microsoft.com/office/drawing/2014/main" id="{DD9B8E45-0772-954C-8D4B-6E6808DFEDED}"/>
+              </a:ext>
+            </a:extLst>
+          </p:cNvPr>
+          <p:cNvSpPr>
+            <a:spLocks noGrp="1"/>
+          </p:cNvSpPr>
+          <p:nvPr>
+            <p:ph type="title"/>
+          </p:nvPr>
+        </p:nvSpPr>
+        <p:spPr>
+          <a:xfrm>
+            <a:off x="838200" y="365129"/>
+            <a:ext cx="10002520" cy="1325563"/>
+          </a:xfrm>
+          <a:prstGeom prst="rect">
+            <a:avLst/>
+          </a:prstGeom>
+        </p:spPr>
+        <p:txBody>
+          <a:bodyPr/>
+          <a:lstStyle/>
+          <a:p>
+            <a:pPr lvl="0" indent="0" marL="0">
+              <a:buNone/>
+            </a:pPr>
+            <a:r>
+              <a:rPr/>
+              <a:t>New Teaching Fellow in Lab 03 WB300 9:30-11:30</a:t>
+            </a:r>
+          </a:p>
+        </p:txBody>
+      </p:sp>
+      <p:sp>
+        <p:nvSpPr>
+          <p:cNvPr id="3" name="Content Placeholder 2">
+            <a:extLst>
+              <a:ext uri="{FF2B5EF4-FFF2-40B4-BE49-F238E27FC236}">
+                <a16:creationId xmlns:a16="http://schemas.microsoft.com/office/drawing/2014/main" id="{A4EB24F9-04F1-C843-9D71-56C5C024552B}"/>
+              </a:ext>
+            </a:extLst>
+          </p:cNvPr>
+          <p:cNvSpPr>
+            <a:spLocks noGrp="1"/>
+          </p:cNvSpPr>
+          <p:nvPr>
+            <p:ph idx="1"/>
+          </p:nvPr>
+        </p:nvSpPr>
+        <p:spPr/>
+        <p:txBody>
+          <a:bodyPr/>
+          <a:lstStyle/>
+          <a:p>
+            <a:pPr lvl="0" indent="0" marL="0">
+              <a:buNone/>
+            </a:pPr>
+            <a:r>
+              <a:rPr/>
+              <a:t>Dr. Faize Eryaman</a:t>
+            </a:r>
+          </a:p>
+          <a:p>
+            <a:pPr lvl="0" indent="0" marL="0">
+              <a:buNone/>
+            </a:pPr>
+            <a:r>
+              <a:rPr/>
+              <a:t>I’m going to meet her directly after this.</a:t>
+            </a:r>
+          </a:p>
+          <a:p>
+            <a:pPr lvl="0" indent="0" marL="0">
+              <a:buNone/>
+            </a:pPr>
+            <a:r>
+              <a:rPr/>
+              <a:t>New to Goldsmiths, but a fantastic researcher and teacher.</a:t>
+            </a:r>
+          </a:p>
+          <a:p>
+            <a:pPr lvl="0" indent="0" marL="0">
+              <a:buNone/>
+            </a:pPr>
+            <a:r>
+              <a:rPr/>
+              <a:t>Please help her settle in!</a:t>
+            </a:r>
+          </a:p>
+        </p:txBody>
+      </p:sp>
+    </p:spTree>
+  </p:cSld>
+</p:sld>
+</file>
+
+<file path=ppt/slides/slide25.xml><?xml version="1.0" encoding="utf-8"?>
+<p:sld xmlns:a="http://schemas.openxmlformats.org/drawingml/2006/main" xmlns:r="http://schemas.openxmlformats.org/officeDocument/2006/relationships" xmlns:p="http://schemas.openxmlformats.org/presentationml/2006/main">
+  <p:cSld>
+    <p:spTree>
+      <p:nvGrpSpPr>
+        <p:cNvPr id="1" name=""/>
+        <p:cNvGrpSpPr/>
+        <p:nvPr/>
+      </p:nvGrpSpPr>
+      <p:grpSpPr>
+        <a:xfrm>
+          <a:off x="0" y="0"/>
+          <a:ext cx="0" cy="0"/>
+          <a:chOff x="0" y="0"/>
+          <a:chExt cx="0" cy="0"/>
+        </a:xfrm>
+      </p:grpSpPr>
+      <p:sp>
+        <p:nvSpPr>
+          <p:cNvPr id="2" name="Title 1">
+            <a:extLst>
+              <a:ext uri="{FF2B5EF4-FFF2-40B4-BE49-F238E27FC236}">
+                <a16:creationId xmlns:a16="http://schemas.microsoft.com/office/drawing/2014/main" id="{DD9B8E45-0772-954C-8D4B-6E6808DFEDED}"/>
+              </a:ext>
+            </a:extLst>
+          </p:cNvPr>
+          <p:cNvSpPr>
+            <a:spLocks noGrp="1"/>
+          </p:cNvSpPr>
+          <p:nvPr>
+            <p:ph type="title"/>
+          </p:nvPr>
+        </p:nvSpPr>
+        <p:spPr>
+          <a:xfrm>
+            <a:off x="838200" y="365129"/>
+            <a:ext cx="10002520" cy="1325563"/>
+          </a:xfrm>
+          <a:prstGeom prst="rect">
+            <a:avLst/>
+          </a:prstGeom>
+        </p:spPr>
+        <p:txBody>
+          <a:bodyPr/>
+          <a:lstStyle/>
+          <a:p>
+            <a:pPr lvl="0" indent="0" marL="0">
+              <a:buNone/>
+            </a:pPr>
+            <a:r>
+              <a:rPr/>
+              <a:t>Roving Gordon</a:t>
+            </a:r>
+          </a:p>
+        </p:txBody>
+      </p:sp>
+      <p:sp>
+        <p:nvSpPr>
+          <p:cNvPr id="3" name="Content Placeholder 2">
+            <a:extLst>
+              <a:ext uri="{FF2B5EF4-FFF2-40B4-BE49-F238E27FC236}">
+                <a16:creationId xmlns:a16="http://schemas.microsoft.com/office/drawing/2014/main" id="{A4EB24F9-04F1-C843-9D71-56C5C024552B}"/>
+              </a:ext>
+            </a:extLst>
+          </p:cNvPr>
+          <p:cNvSpPr>
+            <a:spLocks noGrp="1"/>
+          </p:cNvSpPr>
+          <p:nvPr>
+            <p:ph idx="1"/>
+          </p:nvPr>
+        </p:nvSpPr>
+        <p:spPr/>
+        <p:txBody>
+          <a:bodyPr/>
+          <a:lstStyle/>
+          <a:p>
+            <a:pPr lvl="0" indent="0" marL="0">
+              <a:buNone/>
+            </a:pPr>
+            <a:r>
+              <a:rPr/>
+              <a:t>I shall be more available across all the labs now, and looking to help out as much as I can!</a:t>
+            </a:r>
+          </a:p>
+          <a:p>
+            <a:pPr lvl="0" indent="0" marL="0">
+              <a:buNone/>
+            </a:pPr>
+            <a:r>
+              <a:rPr/>
+              <a:t>I’m looking for opportunities:</a:t>
+            </a:r>
+          </a:p>
+          <a:p>
+            <a:pPr lvl="0"/>
+            <a:r>
+              <a:rPr/>
+              <a:t>To share good ideas or practice</a:t>
+            </a:r>
+          </a:p>
+          <a:p>
+            <a:pPr lvl="0"/>
+            <a:r>
+              <a:rPr/>
+              <a:t>To help confirm consistency and give you confidence</a:t>
+            </a:r>
+          </a:p>
+          <a:p>
+            <a:pPr lvl="0"/>
+            <a:r>
+              <a:rPr/>
+              <a:t>To be another “guide at the side”</a:t>
+            </a:r>
+          </a:p>
+          <a:p>
+            <a:pPr lvl="0"/>
+            <a:r>
+              <a:rPr/>
+              <a:t>To challenge you</a:t>
+            </a:r>
+          </a:p>
+          <a:p>
+            <a:pPr lvl="0"/>
+            <a:r>
+              <a:rPr/>
+              <a:t>But not to confuse you or contradict your Lab or Personal Tutors</a:t>
+            </a:r>
+          </a:p>
+        </p:txBody>
+      </p:sp>
+    </p:spTree>
+  </p:cSld>
+</p:sld>
+</file>
+
+<file path=ppt/slides/slide26.xml><?xml version="1.0" encoding="utf-8"?>
+<p:sld xmlns:a="http://schemas.openxmlformats.org/drawingml/2006/main" xmlns:r="http://schemas.openxmlformats.org/officeDocument/2006/relationships" xmlns:p="http://schemas.openxmlformats.org/presentationml/2006/main">
+  <p:cSld>
+    <p:spTree>
+      <p:nvGrpSpPr>
+        <p:cNvPr id="1" name=""/>
+        <p:cNvGrpSpPr/>
+        <p:nvPr/>
+      </p:nvGrpSpPr>
+      <p:grpSpPr>
+        <a:xfrm>
+          <a:off x="0" y="0"/>
+          <a:ext cx="0" cy="0"/>
+          <a:chOff x="0" y="0"/>
+          <a:chExt cx="0" cy="0"/>
+        </a:xfrm>
+      </p:grpSpPr>
+      <p:sp>
+        <p:nvSpPr>
+          <p:cNvPr id="2" name="Title 1">
+            <a:extLst>
+              <a:ext uri="{FF2B5EF4-FFF2-40B4-BE49-F238E27FC236}">
+                <a16:creationId xmlns:a16="http://schemas.microsoft.com/office/drawing/2014/main" id="{FF6A6CB2-D1B6-B94A-84C1-83C65423C650}"/>
+              </a:ext>
+            </a:extLst>
+          </p:cNvPr>
+          <p:cNvSpPr>
+            <a:spLocks noGrp="1"/>
+          </p:cNvSpPr>
+          <p:nvPr>
+            <p:ph type="title"/>
+          </p:nvPr>
+        </p:nvSpPr>
+        <p:spPr>
+          <a:xfrm>
+            <a:off x="831851" y="1709742"/>
+            <a:ext cx="10515600" cy="2852737"/>
+          </a:xfrm>
+          <a:prstGeom prst="rect">
+            <a:avLst/>
+          </a:prstGeom>
+        </p:spPr>
+        <p:txBody>
+          <a:bodyPr/>
+          <a:lstStyle/>
+          <a:p>
+            <a:pPr lvl="0" indent="0" marL="0">
+              <a:buNone/>
+            </a:pPr>
+            <a:r>
+              <a:rPr/>
+              <a:t>Questions?</a:t>
             </a:r>
           </a:p>
         </p:txBody>
@@ -5578,7 +6793,7 @@
             </a:pPr>
             <a:r>
               <a:rPr/>
-              <a:t>The week ahead</a:t>
+              <a:t>Personal Tutor Meeting Week 3</a:t>
             </a:r>
           </a:p>
         </p:txBody>
@@ -5609,16 +6824,16 @@
             </a:pPr>
             <a:r>
               <a:rPr/>
-              <a:t>This week (week 2) you have your Social Psychology Essay Tutorial</a:t>
-            </a:r>
-          </a:p>
-          <a:p>
-            <a:pPr lvl="0" indent="0" marL="0">
+              <a:t>This week (week 3) you have 50 minutes with your Personal Tutor to discuss the Mini-Dissertation</a:t>
+            </a:r>
+          </a:p>
+          <a:p>
+            <a:pPr lvl="0" indent="0" marL="1270000">
               <a:buNone/>
             </a:pPr>
             <a:r>
-              <a:rPr/>
-              <a:t>“Sexual Economics: Theory and Patriarchy”</a:t>
+              <a:rPr sz="2000" b="1"/>
+              <a:t>Tip</a:t>
             </a:r>
           </a:p>
           <a:p>
@@ -5627,15 +6842,16 @@
             </a:pPr>
             <a:r>
               <a:rPr sz="2000"/>
-              <a:t>“</a:t>
-            </a:r>
-            <a:r>
-              <a:rPr sz="2000" i="1"/>
-              <a:t>Is sex a female commodity that women exchange for men’s resources? Advantages and disadvantages of applying social exchange theory to understanding heterosexual relationships.</a:t>
-            </a:r>
+              <a:t>Your Personal Tutor is ANOTHER source of guidance and support.</a:t>
+            </a:r>
+          </a:p>
+          <a:p>
+            <a:pPr lvl="0" indent="0" marL="1270000">
+              <a:buNone/>
+            </a:pPr>
             <a:r>
               <a:rPr sz="2000"/>
-              <a:t>”</a:t>
+              <a:t>Give them the information they need to best help you on this journey.</a:t>
             </a:r>
           </a:p>
           <a:p>
@@ -5644,16 +6860,15 @@
             </a:pPr>
             <a:r>
               <a:rPr sz="2000"/>
-              <a:t>Deadline 10am Friday 21st October (end of week 3)</a:t>
-            </a:r>
-          </a:p>
-          <a:p>
-            <a:pPr lvl="0" indent="0" marL="1270000">
-              <a:buNone/>
-            </a:pPr>
+              <a:t>Dear PTs, “Next week, you are given </a:t>
+            </a:r>
+            <a:r>
+              <a:rPr sz="2000" b="1"/>
+              <a:t>no information whatsoever</a:t>
+            </a:r>
             <a:r>
               <a:rPr sz="2000"/>
-              <a:t>Feedback on/by 11th November</a:t>
+              <a:t>, and are asked to turn up to your session with nothing other than perhaps a pen and paper, a big smile, and anticipation of lots of exciting research in the making.”</a:t>
             </a:r>
           </a:p>
         </p:txBody>
@@ -5685,6 +6900,116 @@
           <p:cNvPr id="2" name="Title 1">
             <a:extLst>
               <a:ext uri="{FF2B5EF4-FFF2-40B4-BE49-F238E27FC236}">
+                <a16:creationId xmlns:a16="http://schemas.microsoft.com/office/drawing/2014/main" id="{DD9B8E45-0772-954C-8D4B-6E6808DFEDED}"/>
+              </a:ext>
+            </a:extLst>
+          </p:cNvPr>
+          <p:cNvSpPr>
+            <a:spLocks noGrp="1"/>
+          </p:cNvSpPr>
+          <p:nvPr>
+            <p:ph type="title"/>
+          </p:nvPr>
+        </p:nvSpPr>
+        <p:spPr>
+          <a:xfrm>
+            <a:off x="838200" y="365129"/>
+            <a:ext cx="10002520" cy="1325563"/>
+          </a:xfrm>
+          <a:prstGeom prst="rect">
+            <a:avLst/>
+          </a:prstGeom>
+        </p:spPr>
+        <p:txBody>
+          <a:bodyPr/>
+          <a:lstStyle/>
+          <a:p>
+            <a:pPr lvl="0" indent="0" marL="0">
+              <a:buNone/>
+            </a:pPr>
+            <a:r>
+              <a:rPr/>
+              <a:t>Future PT Sessions devoted to the MD</a:t>
+            </a:r>
+          </a:p>
+        </p:txBody>
+      </p:sp>
+      <p:sp>
+        <p:nvSpPr>
+          <p:cNvPr id="3" name="Content Placeholder 2">
+            <a:extLst>
+              <a:ext uri="{FF2B5EF4-FFF2-40B4-BE49-F238E27FC236}">
+                <a16:creationId xmlns:a16="http://schemas.microsoft.com/office/drawing/2014/main" id="{A4EB24F9-04F1-C843-9D71-56C5C024552B}"/>
+              </a:ext>
+            </a:extLst>
+          </p:cNvPr>
+          <p:cNvSpPr>
+            <a:spLocks noGrp="1"/>
+          </p:cNvSpPr>
+          <p:nvPr>
+            <p:ph idx="1"/>
+          </p:nvPr>
+        </p:nvSpPr>
+        <p:spPr/>
+        <p:txBody>
+          <a:bodyPr/>
+          <a:lstStyle/>
+          <a:p>
+            <a:pPr lvl="0" indent="0" marL="0">
+              <a:buNone/>
+            </a:pPr>
+            <a:r>
+              <a:rPr/>
+              <a:t>Week 8 - Check on status of Ethics application, and troubleshooting</a:t>
+            </a:r>
+          </a:p>
+          <a:p>
+            <a:pPr lvl="0" indent="0" marL="0">
+              <a:buNone/>
+            </a:pPr>
+            <a:r>
+              <a:rPr/>
+              <a:t>Week 13 - Session to support Analysis Planning and Writing up/Submission preparation</a:t>
+            </a:r>
+          </a:p>
+          <a:p>
+            <a:pPr lvl="0" indent="0" marL="0">
+              <a:buNone/>
+            </a:pPr>
+            <a:r>
+              <a:rPr/>
+              <a:t>Week 17 - Result interpretation, and any concerns arising in the final phase of the MD</a:t>
+            </a:r>
+          </a:p>
+        </p:txBody>
+      </p:sp>
+    </p:spTree>
+  </p:cSld>
+</p:sld>
+</file>
+
+<file path=ppt/slides/slide5.xml><?xml version="1.0" encoding="utf-8"?>
+<p:sld xmlns:a="http://schemas.openxmlformats.org/drawingml/2006/main" xmlns:r="http://schemas.openxmlformats.org/officeDocument/2006/relationships" xmlns:p="http://schemas.openxmlformats.org/presentationml/2006/main">
+  <p:cSld>
+    <p:spTree>
+      <p:nvGrpSpPr>
+        <p:cNvPr id="1" name=""/>
+        <p:cNvGrpSpPr/>
+        <p:nvPr/>
+      </p:nvGrpSpPr>
+      <p:grpSpPr>
+        <a:xfrm>
+          <a:off x="0" y="0"/>
+          <a:ext cx="0" cy="0"/>
+          <a:chOff x="0" y="0"/>
+          <a:chExt cx="0" cy="0"/>
+        </a:xfrm>
+      </p:grpSpPr>
+      <p:sp>
+        <p:nvSpPr>
+          <p:cNvPr id="2" name="Title 1">
+            <a:extLst>
+              <a:ext uri="{FF2B5EF4-FFF2-40B4-BE49-F238E27FC236}">
                 <a16:creationId xmlns:a16="http://schemas.microsoft.com/office/drawing/2014/main" id="{FF6A6CB2-D1B6-B94A-84C1-83C65423C650}"/>
               </a:ext>
             </a:extLst>
@@ -5715,6 +7040,263 @@
             <a:r>
               <a:rPr/>
               <a:t>Any Questions?</a:t>
+            </a:r>
+          </a:p>
+        </p:txBody>
+      </p:sp>
+    </p:spTree>
+  </p:cSld>
+</p:sld>
+</file>
+
+<file path=ppt/slides/slide6.xml><?xml version="1.0" encoding="utf-8"?>
+<p:sld xmlns:a="http://schemas.openxmlformats.org/drawingml/2006/main" xmlns:r="http://schemas.openxmlformats.org/officeDocument/2006/relationships" xmlns:p="http://schemas.openxmlformats.org/presentationml/2006/main">
+  <p:cSld>
+    <p:spTree>
+      <p:nvGrpSpPr>
+        <p:cNvPr id="1" name=""/>
+        <p:cNvGrpSpPr/>
+        <p:nvPr/>
+      </p:nvGrpSpPr>
+      <p:grpSpPr>
+        <a:xfrm>
+          <a:off x="0" y="0"/>
+          <a:ext cx="0" cy="0"/>
+          <a:chOff x="0" y="0"/>
+          <a:chExt cx="0" cy="0"/>
+        </a:xfrm>
+      </p:grpSpPr>
+      <p:sp>
+        <p:nvSpPr>
+          <p:cNvPr id="2" name="Title 1">
+            <a:extLst>
+              <a:ext uri="{FF2B5EF4-FFF2-40B4-BE49-F238E27FC236}">
+                <a16:creationId xmlns:a16="http://schemas.microsoft.com/office/drawing/2014/main" id="{FF6A6CB2-D1B6-B94A-84C1-83C65423C650}"/>
+              </a:ext>
+            </a:extLst>
+          </p:cNvPr>
+          <p:cNvSpPr>
+            <a:spLocks noGrp="1"/>
+          </p:cNvSpPr>
+          <p:nvPr>
+            <p:ph type="title"/>
+          </p:nvPr>
+        </p:nvSpPr>
+        <p:spPr>
+          <a:xfrm>
+            <a:off x="831851" y="1709742"/>
+            <a:ext cx="10515600" cy="2852737"/>
+          </a:xfrm>
+          <a:prstGeom prst="rect">
+            <a:avLst/>
+          </a:prstGeom>
+        </p:spPr>
+        <p:txBody>
+          <a:bodyPr/>
+          <a:lstStyle/>
+          <a:p>
+            <a:pPr lvl="0" indent="0" marL="0">
+              <a:buNone/>
+            </a:pPr>
+            <a:r>
+              <a:rPr/>
+              <a:t>Being critical and evaluating the work of others</a:t>
+            </a:r>
+          </a:p>
+        </p:txBody>
+      </p:sp>
+    </p:spTree>
+  </p:cSld>
+</p:sld>
+</file>
+
+<file path=ppt/slides/slide7.xml><?xml version="1.0" encoding="utf-8"?>
+<p:sld xmlns:a="http://schemas.openxmlformats.org/drawingml/2006/main" xmlns:r="http://schemas.openxmlformats.org/officeDocument/2006/relationships" xmlns:p="http://schemas.openxmlformats.org/presentationml/2006/main">
+  <p:cSld>
+    <p:spTree>
+      <p:nvGrpSpPr>
+        <p:cNvPr id="1" name=""/>
+        <p:cNvGrpSpPr/>
+        <p:nvPr/>
+      </p:nvGrpSpPr>
+      <p:grpSpPr>
+        <a:xfrm>
+          <a:off x="0" y="0"/>
+          <a:ext cx="0" cy="0"/>
+          <a:chOff x="0" y="0"/>
+          <a:chExt cx="0" cy="0"/>
+        </a:xfrm>
+      </p:grpSpPr>
+      <p:sp>
+        <p:nvSpPr>
+          <p:cNvPr id="2" name="Title 1">
+            <a:extLst>
+              <a:ext uri="{FF2B5EF4-FFF2-40B4-BE49-F238E27FC236}">
+                <a16:creationId xmlns:a16="http://schemas.microsoft.com/office/drawing/2014/main" id="{DD9B8E45-0772-954C-8D4B-6E6808DFEDED}"/>
+              </a:ext>
+            </a:extLst>
+          </p:cNvPr>
+          <p:cNvSpPr>
+            <a:spLocks noGrp="1"/>
+          </p:cNvSpPr>
+          <p:nvPr>
+            <p:ph type="title"/>
+          </p:nvPr>
+        </p:nvSpPr>
+        <p:spPr>
+          <a:xfrm>
+            <a:off x="838200" y="365129"/>
+            <a:ext cx="10002520" cy="1325563"/>
+          </a:xfrm>
+          <a:prstGeom prst="rect">
+            <a:avLst/>
+          </a:prstGeom>
+        </p:spPr>
+        <p:txBody>
+          <a:bodyPr/>
+          <a:lstStyle/>
+          <a:p>
+            <a:pPr lvl="0" indent="0" marL="0">
+              <a:buNone/>
+            </a:pPr>
+            <a:r>
+              <a:rPr/>
+              <a:t>This is a topic and skill you’ve already been shown</a:t>
+            </a:r>
+          </a:p>
+        </p:txBody>
+      </p:sp>
+      <p:pic>
+        <p:nvPicPr>
+          <p:cNvPr descr="images/paste-6F9D0DD1.png" id="0" name="Picture 1"/>
+          <p:cNvPicPr>
+            <a:picLocks noGrp="1" noChangeAspect="1"/>
+          </p:cNvPicPr>
+          <p:nvPr/>
+        </p:nvPicPr>
+        <p:blipFill>
+          <a:blip r:embed="rId2"/>
+          <a:stretch>
+            <a:fillRect/>
+          </a:stretch>
+        </p:blipFill>
+        <p:spPr bwMode="auto">
+          <a:xfrm>
+            <a:off x="838200" y="3568700"/>
+            <a:ext cx="10515600" cy="838200"/>
+          </a:xfrm>
+          <a:prstGeom prst="rect">
+            <a:avLst/>
+          </a:prstGeom>
+          <a:noFill/>
+          <a:ln w="9525">
+            <a:noFill/>
+            <a:headEnd/>
+            <a:tailEnd/>
+          </a:ln>
+        </p:spPr>
+      </p:pic>
+    </p:spTree>
+  </p:cSld>
+</p:sld>
+</file>
+
+<file path=ppt/slides/slide8.xml><?xml version="1.0" encoding="utf-8"?>
+<p:sld xmlns:a="http://schemas.openxmlformats.org/drawingml/2006/main" xmlns:r="http://schemas.openxmlformats.org/officeDocument/2006/relationships" xmlns:p="http://schemas.openxmlformats.org/presentationml/2006/main">
+  <p:cSld>
+    <p:spTree>
+      <p:nvGrpSpPr>
+        <p:cNvPr id="1" name=""/>
+        <p:cNvGrpSpPr/>
+        <p:nvPr/>
+      </p:nvGrpSpPr>
+      <p:grpSpPr>
+        <a:xfrm>
+          <a:off x="0" y="0"/>
+          <a:ext cx="0" cy="0"/>
+          <a:chOff x="0" y="0"/>
+          <a:chExt cx="0" cy="0"/>
+        </a:xfrm>
+      </p:grpSpPr>
+      <p:pic>
+        <p:nvPicPr>
+          <p:cNvPr descr="images/paste-1DF339DB.png" id="0" name="Picture 1"/>
+          <p:cNvPicPr>
+            <a:picLocks noGrp="1" noChangeAspect="1"/>
+          </p:cNvPicPr>
+          <p:nvPr/>
+        </p:nvPicPr>
+        <p:blipFill>
+          <a:blip r:embed="rId2"/>
+          <a:stretch>
+            <a:fillRect/>
+          </a:stretch>
+        </p:blipFill>
+        <p:spPr bwMode="auto">
+          <a:xfrm>
+            <a:off x="838200" y="3225800"/>
+            <a:ext cx="10515600" cy="1536700"/>
+          </a:xfrm>
+          <a:prstGeom prst="rect">
+            <a:avLst/>
+          </a:prstGeom>
+          <a:noFill/>
+          <a:ln w="9525">
+            <a:noFill/>
+            <a:headEnd/>
+            <a:tailEnd/>
+          </a:ln>
+        </p:spPr>
+      </p:pic>
+    </p:spTree>
+  </p:cSld>
+</p:sld>
+</file>
+
+<file path=ppt/slides/slide9.xml><?xml version="1.0" encoding="utf-8"?>
+<p:sld xmlns:a="http://schemas.openxmlformats.org/drawingml/2006/main" xmlns:r="http://schemas.openxmlformats.org/officeDocument/2006/relationships" xmlns:p="http://schemas.openxmlformats.org/presentationml/2006/main">
+  <p:cSld>
+    <p:spTree>
+      <p:nvGrpSpPr>
+        <p:cNvPr id="1" name=""/>
+        <p:cNvGrpSpPr/>
+        <p:nvPr/>
+      </p:nvGrpSpPr>
+      <p:grpSpPr>
+        <a:xfrm>
+          <a:off x="0" y="0"/>
+          <a:ext cx="0" cy="0"/>
+          <a:chOff x="0" y="0"/>
+          <a:chExt cx="0" cy="0"/>
+        </a:xfrm>
+      </p:grpSpPr>
+      <p:sp>
+        <p:nvSpPr>
+          <p:cNvPr id="3" name="Content Placeholder 2">
+            <a:extLst>
+              <a:ext uri="{FF2B5EF4-FFF2-40B4-BE49-F238E27FC236}">
+                <a16:creationId xmlns:a16="http://schemas.microsoft.com/office/drawing/2014/main" id="{A4EB24F9-04F1-C843-9D71-56C5C024552B}"/>
+              </a:ext>
+            </a:extLst>
+          </p:cNvPr>
+          <p:cNvSpPr>
+            <a:spLocks noGrp="1"/>
+          </p:cNvSpPr>
+          <p:nvPr>
+            <p:ph idx="1"/>
+          </p:nvPr>
+        </p:nvSpPr>
+        <p:spPr/>
+        <p:txBody>
+          <a:bodyPr/>
+          <a:lstStyle/>
+          <a:p>
+            <a:pPr lvl="0" indent="0" marL="0">
+              <a:buNone/>
+            </a:pPr>
+            <a:r>
+              <a:rPr/>
+              <a:t>Review these materials and consider your performance of the assessment, and any feedback</a:t>
             </a:r>
           </a:p>
         </p:txBody>

--- a/_site/lectures/Lecture03/Lecture03.pptx
+++ b/_site/lectures/Lecture03/Lecture03.pptx
@@ -30,7 +30,6 @@
     <p:sldId id="278" r:id="rId24"/>
     <p:sldId id="279" r:id="rId25"/>
     <p:sldId id="280" r:id="rId26"/>
-    <p:sldId id="281" r:id="rId27"/>
   </p:sldIdLst>
   <p:sldSz cx="12192000" cy="6858000"/>
   <p:notesSz cx="6858000" cy="9144000"/>
@@ -5167,7 +5166,7 @@
             </a:pPr>
             <a:r>
               <a:rPr/>
-              <a:t>Reading list items</a:t>
+              <a:t>Reading list items (Barber 2002; 2004)</a:t>
             </a:r>
           </a:p>
         </p:txBody>
@@ -5258,67 +5257,6 @@
             </a:pPr>
             <a:r>
               <a:rPr/>
-              <a:t>Barber (2004) Tables 3 and 4</a:t>
-            </a:r>
-          </a:p>
-        </p:txBody>
-      </p:sp>
-    </p:spTree>
-  </p:cSld>
-</p:sld>
-</file>
-
-<file path=ppt/slides/slide13.xml><?xml version="1.0" encoding="utf-8"?>
-<p:sld xmlns:a="http://schemas.openxmlformats.org/drawingml/2006/main" xmlns:r="http://schemas.openxmlformats.org/officeDocument/2006/relationships" xmlns:p="http://schemas.openxmlformats.org/presentationml/2006/main">
-  <p:cSld>
-    <p:spTree>
-      <p:nvGrpSpPr>
-        <p:cNvPr id="1" name=""/>
-        <p:cNvGrpSpPr/>
-        <p:nvPr/>
-      </p:nvGrpSpPr>
-      <p:grpSpPr>
-        <a:xfrm>
-          <a:off x="0" y="0"/>
-          <a:ext cx="0" cy="0"/>
-          <a:chOff x="0" y="0"/>
-          <a:chExt cx="0" cy="0"/>
-        </a:xfrm>
-      </p:grpSpPr>
-      <p:sp>
-        <p:nvSpPr>
-          <p:cNvPr id="2" name="Title 1">
-            <a:extLst>
-              <a:ext uri="{FF2B5EF4-FFF2-40B4-BE49-F238E27FC236}">
-                <a16:creationId xmlns:a16="http://schemas.microsoft.com/office/drawing/2014/main" id="{DD9B8E45-0772-954C-8D4B-6E6808DFEDED}"/>
-              </a:ext>
-            </a:extLst>
-          </p:cNvPr>
-          <p:cNvSpPr>
-            <a:spLocks noGrp="1"/>
-          </p:cNvSpPr>
-          <p:nvPr>
-            <p:ph type="title"/>
-          </p:nvPr>
-        </p:nvSpPr>
-        <p:spPr>
-          <a:xfrm>
-            <a:off x="838200" y="365129"/>
-            <a:ext cx="10002520" cy="1325563"/>
-          </a:xfrm>
-          <a:prstGeom prst="rect">
-            <a:avLst/>
-          </a:prstGeom>
-        </p:spPr>
-        <p:txBody>
-          <a:bodyPr/>
-          <a:lstStyle/>
-          <a:p>
-            <a:pPr lvl="0" indent="0" marL="0">
-              <a:buNone/>
-            </a:pPr>
-            <a:r>
-              <a:rPr/>
               <a:t>Let’s look at the example from last week</a:t>
             </a:r>
           </a:p>
@@ -5359,6 +5297,134 @@
 </p:sld>
 </file>
 
+<file path=ppt/slides/slide13.xml><?xml version="1.0" encoding="utf-8"?>
+<p:sld xmlns:a="http://schemas.openxmlformats.org/drawingml/2006/main" xmlns:r="http://schemas.openxmlformats.org/officeDocument/2006/relationships" xmlns:p="http://schemas.openxmlformats.org/presentationml/2006/main">
+  <p:cSld>
+    <p:spTree>
+      <p:nvGrpSpPr>
+        <p:cNvPr id="1" name=""/>
+        <p:cNvGrpSpPr/>
+        <p:nvPr/>
+      </p:nvGrpSpPr>
+      <p:grpSpPr>
+        <a:xfrm>
+          <a:off x="0" y="0"/>
+          <a:ext cx="0" cy="0"/>
+          <a:chOff x="0" y="0"/>
+          <a:chExt cx="0" cy="0"/>
+        </a:xfrm>
+      </p:grpSpPr>
+      <p:sp>
+        <p:nvSpPr>
+          <p:cNvPr id="2" name="Title 1">
+            <a:extLst>
+              <a:ext uri="{FF2B5EF4-FFF2-40B4-BE49-F238E27FC236}">
+                <a16:creationId xmlns:a16="http://schemas.microsoft.com/office/drawing/2014/main" id="{DD9B8E45-0772-954C-8D4B-6E6808DFEDED}"/>
+              </a:ext>
+            </a:extLst>
+          </p:cNvPr>
+          <p:cNvSpPr>
+            <a:spLocks noGrp="1"/>
+          </p:cNvSpPr>
+          <p:nvPr>
+            <p:ph type="title"/>
+          </p:nvPr>
+        </p:nvSpPr>
+        <p:spPr>
+          <a:xfrm>
+            <a:off x="838200" y="365129"/>
+            <a:ext cx="10002520" cy="1325563"/>
+          </a:xfrm>
+          <a:prstGeom prst="rect">
+            <a:avLst/>
+          </a:prstGeom>
+        </p:spPr>
+        <p:txBody>
+          <a:bodyPr/>
+          <a:lstStyle/>
+          <a:p>
+            <a:pPr lvl="0" indent="0" marL="0">
+              <a:buNone/>
+            </a:pPr>
+            <a:r>
+              <a:rPr/>
+              <a:t>How do I do it? [one approach]</a:t>
+            </a:r>
+          </a:p>
+        </p:txBody>
+      </p:sp>
+      <p:sp>
+        <p:nvSpPr>
+          <p:cNvPr id="3" name="Content Placeholder 2">
+            <a:extLst>
+              <a:ext uri="{FF2B5EF4-FFF2-40B4-BE49-F238E27FC236}">
+                <a16:creationId xmlns:a16="http://schemas.microsoft.com/office/drawing/2014/main" id="{A4EB24F9-04F1-C843-9D71-56C5C024552B}"/>
+              </a:ext>
+            </a:extLst>
+          </p:cNvPr>
+          <p:cNvSpPr>
+            <a:spLocks noGrp="1"/>
+          </p:cNvSpPr>
+          <p:nvPr>
+            <p:ph idx="1"/>
+          </p:nvPr>
+        </p:nvSpPr>
+        <p:spPr/>
+        <p:txBody>
+          <a:bodyPr/>
+          <a:lstStyle/>
+          <a:p>
+            <a:pPr lvl="0" indent="0" marL="0">
+              <a:buNone/>
+            </a:pPr>
+            <a:r>
+              <a:rPr/>
+              <a:t>Review literature on a key part of your ‘puzzle’ (an IV, a ‘tool’, the DV etc)</a:t>
+            </a:r>
+          </a:p>
+          <a:p>
+            <a:pPr lvl="0" indent="0" marL="0">
+              <a:buNone/>
+            </a:pPr>
+            <a:r>
+              <a:rPr/>
+              <a:t>Apply critical evaluation to carefully chosen paper(s)</a:t>
+            </a:r>
+          </a:p>
+          <a:p>
+            <a:pPr lvl="0" indent="0" marL="0">
+              <a:buNone/>
+            </a:pPr>
+            <a:r>
+              <a:rPr/>
+              <a:t>Consider how it might realistically guide or inform your own research</a:t>
+            </a:r>
+          </a:p>
+          <a:p>
+            <a:pPr lvl="0" indent="0" marL="0">
+              <a:buNone/>
+            </a:pPr>
+            <a:r>
+              <a:rPr/>
+              <a:t>Identify a procedure to partially replicate, replicate, or replicate and extend/improve</a:t>
+            </a:r>
+          </a:p>
+          <a:p>
+            <a:pPr lvl="0" indent="0" marL="0">
+              <a:buNone/>
+            </a:pPr>
+            <a:r>
+              <a:rPr/>
+              <a:t>Detail how that takes shape and reflect on your confidence, skill base, perception of value</a:t>
+            </a:r>
+          </a:p>
+        </p:txBody>
+      </p:sp>
+    </p:spTree>
+  </p:cSld>
+</p:sld>
+</file>
+
 <file path=ppt/slides/slide14.xml><?xml version="1.0" encoding="utf-8"?>
 <p:sld xmlns:a="http://schemas.openxmlformats.org/drawingml/2006/main" xmlns:r="http://schemas.openxmlformats.org/officeDocument/2006/relationships" xmlns:p="http://schemas.openxmlformats.org/presentationml/2006/main">
   <p:cSld>
@@ -5410,7 +5476,7 @@
             </a:pPr>
             <a:r>
               <a:rPr/>
-              <a:t>How do I do it? [one approach]</a:t>
+              <a:t>or</a:t>
             </a:r>
           </a:p>
         </p:txBody>
@@ -5441,7 +5507,15 @@
             </a:pPr>
             <a:r>
               <a:rPr/>
-              <a:t>Review literature on a key part of your ‘puzzle’ (an IV, a ‘tool’, the DV etc)</a:t>
+              <a:t>You could approach it </a:t>
+            </a:r>
+            <a:r>
+              <a:rPr u="sng"/>
+              <a:t>strategically as a group</a:t>
+            </a:r>
+            <a:r>
+              <a:rPr/>
+              <a:t>.</a:t>
             </a:r>
           </a:p>
           <a:p>
@@ -5450,7 +5524,7 @@
             </a:pPr>
             <a:r>
               <a:rPr/>
-              <a:t>Apply critical evaluation to carefully chosen paper(s)</a:t>
+              <a:t>Identify areas to take ownership of, then divide and conquer!</a:t>
             </a:r>
           </a:p>
           <a:p>
@@ -5459,16 +5533,7 @@
             </a:pPr>
             <a:r>
               <a:rPr/>
-              <a:t>Consider how it might realistically guide or inform your own research</a:t>
-            </a:r>
-          </a:p>
-          <a:p>
-            <a:pPr lvl="0" indent="0" marL="0">
-              <a:buNone/>
-            </a:pPr>
-            <a:r>
-              <a:rPr/>
-              <a:t>Identify a procedure to partially replicate, replicate, or replicate and extend/improve</a:t>
+              <a:t>Or fly solo and agree to later apply the same process to a mutually beneficial part of your study</a:t>
             </a:r>
           </a:p>
         </p:txBody>
@@ -5479,138 +5544,6 @@
 </file>
 
 <file path=ppt/slides/slide15.xml><?xml version="1.0" encoding="utf-8"?>
-<p:sld xmlns:a="http://schemas.openxmlformats.org/drawingml/2006/main" xmlns:r="http://schemas.openxmlformats.org/officeDocument/2006/relationships" xmlns:p="http://schemas.openxmlformats.org/presentationml/2006/main">
-  <p:cSld>
-    <p:spTree>
-      <p:nvGrpSpPr>
-        <p:cNvPr id="1" name=""/>
-        <p:cNvGrpSpPr/>
-        <p:nvPr/>
-      </p:nvGrpSpPr>
-      <p:grpSpPr>
-        <a:xfrm>
-          <a:off x="0" y="0"/>
-          <a:ext cx="0" cy="0"/>
-          <a:chOff x="0" y="0"/>
-          <a:chExt cx="0" cy="0"/>
-        </a:xfrm>
-      </p:grpSpPr>
-      <p:sp>
-        <p:nvSpPr>
-          <p:cNvPr id="2" name="Title 1">
-            <a:extLst>
-              <a:ext uri="{FF2B5EF4-FFF2-40B4-BE49-F238E27FC236}">
-                <a16:creationId xmlns:a16="http://schemas.microsoft.com/office/drawing/2014/main" id="{DD9B8E45-0772-954C-8D4B-6E6808DFEDED}"/>
-              </a:ext>
-            </a:extLst>
-          </p:cNvPr>
-          <p:cNvSpPr>
-            <a:spLocks noGrp="1"/>
-          </p:cNvSpPr>
-          <p:nvPr>
-            <p:ph type="title"/>
-          </p:nvPr>
-        </p:nvSpPr>
-        <p:spPr>
-          <a:xfrm>
-            <a:off x="838200" y="365129"/>
-            <a:ext cx="10002520" cy="1325563"/>
-          </a:xfrm>
-          <a:prstGeom prst="rect">
-            <a:avLst/>
-          </a:prstGeom>
-        </p:spPr>
-        <p:txBody>
-          <a:bodyPr/>
-          <a:lstStyle/>
-          <a:p>
-            <a:pPr lvl="0" indent="0" marL="0">
-              <a:buNone/>
-            </a:pPr>
-            <a:r>
-              <a:rPr/>
-              <a:t>or</a:t>
-            </a:r>
-          </a:p>
-        </p:txBody>
-      </p:sp>
-      <p:sp>
-        <p:nvSpPr>
-          <p:cNvPr id="3" name="Content Placeholder 2">
-            <a:extLst>
-              <a:ext uri="{FF2B5EF4-FFF2-40B4-BE49-F238E27FC236}">
-                <a16:creationId xmlns:a16="http://schemas.microsoft.com/office/drawing/2014/main" id="{A4EB24F9-04F1-C843-9D71-56C5C024552B}"/>
-              </a:ext>
-            </a:extLst>
-          </p:cNvPr>
-          <p:cNvSpPr>
-            <a:spLocks noGrp="1"/>
-          </p:cNvSpPr>
-          <p:nvPr>
-            <p:ph idx="1"/>
-          </p:nvPr>
-        </p:nvSpPr>
-        <p:spPr/>
-        <p:txBody>
-          <a:bodyPr/>
-          <a:lstStyle/>
-          <a:p>
-            <a:pPr lvl="0" indent="0" marL="0">
-              <a:buNone/>
-            </a:pPr>
-            <a:r>
-              <a:rPr/>
-              <a:t>You could approach it strategically as a group.</a:t>
-            </a:r>
-          </a:p>
-          <a:p>
-            <a:pPr lvl="0" indent="0" marL="0">
-              <a:buNone/>
-            </a:pPr>
-            <a:r>
-              <a:rPr/>
-              <a:t>Identify areas to take ownership of, then divide and conquer!</a:t>
-            </a:r>
-          </a:p>
-          <a:p>
-            <a:pPr lvl="0" indent="0" marL="0">
-              <a:buNone/>
-            </a:pPr>
-            <a:r>
-              <a:rPr/>
-              <a:t>Or fly solo and agree to later apply the same process to a mutually beneficial part of your study</a:t>
-            </a:r>
-          </a:p>
-        </p:txBody>
-      </p:sp>
-    </p:spTree>
-  </p:cSld>
-</p:sld>
-</file>
-
-<file path=ppt/slides/slide16.xml><?xml version="1.0" encoding="utf-8"?>
-<p:sld xmlns:a="http://schemas.openxmlformats.org/drawingml/2006/main" xmlns:r="http://schemas.openxmlformats.org/officeDocument/2006/relationships" xmlns:p="http://schemas.openxmlformats.org/presentationml/2006/main">
-  <p:cSld>
-    <p:spTree>
-      <p:nvGrpSpPr>
-        <p:cNvPr id="1" name=""/>
-        <p:cNvGrpSpPr/>
-        <p:nvPr/>
-      </p:nvGrpSpPr>
-      <p:grpSpPr>
-        <a:xfrm>
-          <a:off x="0" y="0"/>
-          <a:ext cx="0" cy="0"/>
-          <a:chOff x="0" y="0"/>
-          <a:chExt cx="0" cy="0"/>
-        </a:xfrm>
-      </p:grpSpPr>
-    </p:spTree>
-  </p:cSld>
-</p:sld>
-</file>
-
-<file path=ppt/slides/slide17.xml><?xml version="1.0" encoding="utf-8"?>
 <p:sld xmlns:a="http://schemas.openxmlformats.org/drawingml/2006/main" xmlns:r="http://schemas.openxmlformats.org/officeDocument/2006/relationships" xmlns:p="http://schemas.openxmlformats.org/presentationml/2006/main">
   <p:cSld>
     <p:spTree>
@@ -5701,7 +5634,7 @@
 </p:sld>
 </file>
 
-<file path=ppt/slides/slide18.xml><?xml version="1.0" encoding="utf-8"?>
+<file path=ppt/slides/slide16.xml><?xml version="1.0" encoding="utf-8"?>
 <p:sld xmlns:a="http://schemas.openxmlformats.org/drawingml/2006/main" xmlns:r="http://schemas.openxmlformats.org/officeDocument/2006/relationships" xmlns:p="http://schemas.openxmlformats.org/presentationml/2006/main">
   <p:cSld>
     <p:spTree>
@@ -5792,7 +5725,7 @@
 </p:sld>
 </file>
 
-<file path=ppt/slides/slide19.xml><?xml version="1.0" encoding="utf-8"?>
+<file path=ppt/slides/slide17.xml><?xml version="1.0" encoding="utf-8"?>
 <p:sld xmlns:a="http://schemas.openxmlformats.org/drawingml/2006/main" xmlns:r="http://schemas.openxmlformats.org/officeDocument/2006/relationships" xmlns:p="http://schemas.openxmlformats.org/presentationml/2006/main">
   <p:cSld>
     <p:spTree>
@@ -5883,6 +5816,253 @@
 </p:sld>
 </file>
 
+<file path=ppt/slides/slide18.xml><?xml version="1.0" encoding="utf-8"?>
+<p:sld xmlns:a="http://schemas.openxmlformats.org/drawingml/2006/main" xmlns:r="http://schemas.openxmlformats.org/officeDocument/2006/relationships" xmlns:p="http://schemas.openxmlformats.org/presentationml/2006/main">
+  <p:cSld>
+    <p:spTree>
+      <p:nvGrpSpPr>
+        <p:cNvPr id="1" name=""/>
+        <p:cNvGrpSpPr/>
+        <p:nvPr/>
+      </p:nvGrpSpPr>
+      <p:grpSpPr>
+        <a:xfrm>
+          <a:off x="0" y="0"/>
+          <a:ext cx="0" cy="0"/>
+          <a:chOff x="0" y="0"/>
+          <a:chExt cx="0" cy="0"/>
+        </a:xfrm>
+      </p:grpSpPr>
+      <p:sp>
+        <p:nvSpPr>
+          <p:cNvPr id="2" name="Title 1">
+            <a:extLst>
+              <a:ext uri="{FF2B5EF4-FFF2-40B4-BE49-F238E27FC236}">
+                <a16:creationId xmlns:a16="http://schemas.microsoft.com/office/drawing/2014/main" id="{DD9B8E45-0772-954C-8D4B-6E6808DFEDED}"/>
+              </a:ext>
+            </a:extLst>
+          </p:cNvPr>
+          <p:cNvSpPr>
+            <a:spLocks noGrp="1"/>
+          </p:cNvSpPr>
+          <p:nvPr>
+            <p:ph type="title"/>
+          </p:nvPr>
+        </p:nvSpPr>
+        <p:spPr>
+          <a:xfrm>
+            <a:off x="838200" y="365129"/>
+            <a:ext cx="10002520" cy="1325563"/>
+          </a:xfrm>
+          <a:prstGeom prst="rect">
+            <a:avLst/>
+          </a:prstGeom>
+        </p:spPr>
+        <p:txBody>
+          <a:bodyPr/>
+          <a:lstStyle/>
+          <a:p>
+            <a:pPr lvl="0" indent="0" marL="0">
+              <a:buNone/>
+            </a:pPr>
+            <a:r>
+              <a:rPr/>
+              <a:t>More tips</a:t>
+            </a:r>
+          </a:p>
+        </p:txBody>
+      </p:sp>
+      <p:sp>
+        <p:nvSpPr>
+          <p:cNvPr id="3" name="Content Placeholder 2">
+            <a:extLst>
+              <a:ext uri="{FF2B5EF4-FFF2-40B4-BE49-F238E27FC236}">
+                <a16:creationId xmlns:a16="http://schemas.microsoft.com/office/drawing/2014/main" id="{A4EB24F9-04F1-C843-9D71-56C5C024552B}"/>
+              </a:ext>
+            </a:extLst>
+          </p:cNvPr>
+          <p:cNvSpPr>
+            <a:spLocks noGrp="1"/>
+          </p:cNvSpPr>
+          <p:nvPr>
+            <p:ph idx="1"/>
+          </p:nvPr>
+        </p:nvSpPr>
+        <p:spPr/>
+        <p:txBody>
+          <a:bodyPr/>
+          <a:lstStyle/>
+          <a:p>
+            <a:pPr lvl="0"/>
+            <a:r>
+              <a:rPr/>
+              <a:t>Please review the “SUGGESTED ESSAY OUTLINE” in the coursework briefing</a:t>
+            </a:r>
+          </a:p>
+          <a:p>
+            <a:pPr lvl="0"/>
+            <a:r>
+              <a:rPr/>
+              <a:t>No need to follow it roboticly, be strategic &amp; selective in terms of details</a:t>
+            </a:r>
+          </a:p>
+          <a:p>
+            <a:pPr lvl="0"/>
+            <a:r>
+              <a:rPr u="sng"/>
+              <a:t>Selection of a ‘good’ paper to focus on is an integral part of the assessment</a:t>
+            </a:r>
+            <a:r>
+              <a:rPr/>
+              <a:t>!</a:t>
+            </a:r>
+          </a:p>
+          <a:p>
+            <a:pPr lvl="0"/>
+            <a:r>
+              <a:rPr/>
+              <a:t>Do you think the first google result will be a fruitful paper? No, of course you don’t!</a:t>
+            </a:r>
+          </a:p>
+          <a:p>
+            <a:pPr lvl="0"/>
+            <a:r>
+              <a:rPr/>
+              <a:t>Use your Lab Tutor and me to get a sense of confidence. Early.</a:t>
+            </a:r>
+          </a:p>
+          <a:p>
+            <a:pPr lvl="0"/>
+            <a:r>
+              <a:rPr/>
+              <a:t>Tell us how you are searching and what you are looking for</a:t>
+            </a:r>
+          </a:p>
+          <a:p>
+            <a:pPr lvl="0"/>
+            <a:r>
+              <a:rPr/>
+              <a:t>Confirm the paper with us in a lab session [Priority given for this]</a:t>
+            </a:r>
+          </a:p>
+        </p:txBody>
+      </p:sp>
+    </p:spTree>
+  </p:cSld>
+</p:sld>
+</file>
+
+<file path=ppt/slides/slide19.xml><?xml version="1.0" encoding="utf-8"?>
+<p:sld xmlns:a="http://schemas.openxmlformats.org/drawingml/2006/main" xmlns:r="http://schemas.openxmlformats.org/officeDocument/2006/relationships" xmlns:p="http://schemas.openxmlformats.org/presentationml/2006/main">
+  <p:cSld>
+    <p:spTree>
+      <p:nvGrpSpPr>
+        <p:cNvPr id="1" name=""/>
+        <p:cNvGrpSpPr/>
+        <p:nvPr/>
+      </p:nvGrpSpPr>
+      <p:grpSpPr>
+        <a:xfrm>
+          <a:off x="0" y="0"/>
+          <a:ext cx="0" cy="0"/>
+          <a:chOff x="0" y="0"/>
+          <a:chExt cx="0" cy="0"/>
+        </a:xfrm>
+      </p:grpSpPr>
+      <p:sp>
+        <p:nvSpPr>
+          <p:cNvPr id="2" name="Title 1">
+            <a:extLst>
+              <a:ext uri="{FF2B5EF4-FFF2-40B4-BE49-F238E27FC236}">
+                <a16:creationId xmlns:a16="http://schemas.microsoft.com/office/drawing/2014/main" id="{DD9B8E45-0772-954C-8D4B-6E6808DFEDED}"/>
+              </a:ext>
+            </a:extLst>
+          </p:cNvPr>
+          <p:cNvSpPr>
+            <a:spLocks noGrp="1"/>
+          </p:cNvSpPr>
+          <p:nvPr>
+            <p:ph type="title"/>
+          </p:nvPr>
+        </p:nvSpPr>
+        <p:spPr>
+          <a:xfrm>
+            <a:off x="838200" y="365129"/>
+            <a:ext cx="10002520" cy="1325563"/>
+          </a:xfrm>
+          <a:prstGeom prst="rect">
+            <a:avLst/>
+          </a:prstGeom>
+        </p:spPr>
+        <p:txBody>
+          <a:bodyPr/>
+          <a:lstStyle/>
+          <a:p>
+            <a:pPr lvl="0" indent="0" marL="0">
+              <a:buNone/>
+            </a:pPr>
+            <a:r>
+              <a:rPr/>
+              <a:t>Even more tips</a:t>
+            </a:r>
+          </a:p>
+        </p:txBody>
+      </p:sp>
+      <p:sp>
+        <p:nvSpPr>
+          <p:cNvPr id="3" name="Content Placeholder 2">
+            <a:extLst>
+              <a:ext uri="{FF2B5EF4-FFF2-40B4-BE49-F238E27FC236}">
+                <a16:creationId xmlns:a16="http://schemas.microsoft.com/office/drawing/2014/main" id="{A4EB24F9-04F1-C843-9D71-56C5C024552B}"/>
+              </a:ext>
+            </a:extLst>
+          </p:cNvPr>
+          <p:cNvSpPr>
+            <a:spLocks noGrp="1"/>
+          </p:cNvSpPr>
+          <p:nvPr>
+            <p:ph idx="1"/>
+          </p:nvPr>
+        </p:nvSpPr>
+        <p:spPr/>
+        <p:txBody>
+          <a:bodyPr/>
+          <a:lstStyle/>
+          <a:p>
+            <a:pPr lvl="0"/>
+            <a:r>
+              <a:rPr/>
+              <a:t>Use some of the tools presented in the lab activity to help track down a suitable paper</a:t>
+            </a:r>
+          </a:p>
+          <a:p>
+            <a:pPr lvl="0"/>
+            <a:r>
+              <a:rPr/>
+              <a:t>Give yourself time to read, review, re-read and select your juiciest points</a:t>
+            </a:r>
+          </a:p>
+          <a:p>
+            <a:pPr lvl="0"/>
+            <a:r>
+              <a:rPr/>
+              <a:t>Avoid any discussion of methodologies that cannot inform your study directly</a:t>
+            </a:r>
+          </a:p>
+          <a:p>
+            <a:pPr lvl="1"/>
+            <a:r>
+              <a:rPr/>
+              <a:t>e.g. Clinical diagnostic procedures, fMRI technicalities, Criminal Record or Case Study review procedures</a:t>
+            </a:r>
+          </a:p>
+        </p:txBody>
+      </p:sp>
+    </p:spTree>
+  </p:cSld>
+</p:sld>
+</file>
+
 <file path=ppt/slides/slide2.xml><?xml version="1.0" encoding="utf-8"?>
 <p:sld xmlns:a="http://schemas.openxmlformats.org/drawingml/2006/main" xmlns:r="http://schemas.openxmlformats.org/officeDocument/2006/relationships" xmlns:p="http://schemas.openxmlformats.org/presentationml/2006/main">
   <p:cSld>
@@ -6068,7 +6248,7 @@
             </a:pPr>
             <a:r>
               <a:rPr/>
-              <a:t>More tips</a:t>
+              <a:t>You can (will) use LOTS of this in your MD!</a:t>
             </a:r>
           </a:p>
         </p:txBody>
@@ -6094,56 +6274,21 @@
           <a:bodyPr/>
           <a:lstStyle/>
           <a:p>
-            <a:pPr lvl="0"/>
+            <a:pPr lvl="0" indent="0" marL="0">
+              <a:buNone/>
+            </a:pPr>
             <a:r>
               <a:rPr/>
-              <a:t>Please review the “SUGGESTED ESSAY OUTLINE” in the coursework briefing</a:t>
-            </a:r>
-          </a:p>
-          <a:p>
-            <a:pPr lvl="0"/>
+              <a:t>This isn’t a sidetrack exercise. It’s a critical step in your project</a:t>
+            </a:r>
+          </a:p>
+          <a:p>
+            <a:pPr lvl="0" indent="0" marL="0">
+              <a:buNone/>
+            </a:pPr>
             <a:r>
               <a:rPr/>
-              <a:t>No need to follow it roboticly, be strategic &amp; selective in terms of details</a:t>
-            </a:r>
-          </a:p>
-          <a:p>
-            <a:pPr lvl="0"/>
-            <a:r>
-              <a:rPr u="sng"/>
-              <a:t>Selection of a ‘good’ paper to focus on is an integral part of the assessment</a:t>
-            </a:r>
-            <a:r>
-              <a:rPr/>
-              <a:t>!</a:t>
-            </a:r>
-          </a:p>
-          <a:p>
-            <a:pPr lvl="0"/>
-            <a:r>
-              <a:rPr/>
-              <a:t>Do you think the first google result will be a fruitful paper? No, of course you don’t!</a:t>
-            </a:r>
-          </a:p>
-          <a:p>
-            <a:pPr lvl="0"/>
-            <a:r>
-              <a:rPr/>
-              <a:t>Use your Lab Tutor and me to get a sense of confidence. Early.</a:t>
-            </a:r>
-          </a:p>
-          <a:p>
-            <a:pPr lvl="0"/>
-            <a:r>
-              <a:rPr/>
-              <a:t>Tell us how you are searching and what you are looking for</a:t>
-            </a:r>
-          </a:p>
-          <a:p>
-            <a:pPr lvl="0"/>
-            <a:r>
-              <a:rPr/>
-              <a:t>Confirm the paper with us in a lab session [Priority given for this]</a:t>
+              <a:t>Note your references, note your main points, be organised</a:t>
             </a:r>
           </a:p>
         </p:txBody>
@@ -6204,7 +6349,7 @@
             </a:pPr>
             <a:r>
               <a:rPr/>
-              <a:t>Even more tips</a:t>
+              <a:t>Weeks 4 &amp; 5</a:t>
             </a:r>
           </a:p>
         </p:txBody>
@@ -6230,31 +6375,39 @@
           <a:bodyPr/>
           <a:lstStyle/>
           <a:p>
-            <a:pPr lvl="0"/>
+            <a:pPr lvl="0" indent="0" marL="0">
+              <a:buNone/>
+            </a:pPr>
             <a:r>
               <a:rPr/>
-              <a:t>Use some of the tools presented in the lab activity to help track down a suitable paper</a:t>
-            </a:r>
-          </a:p>
-          <a:p>
-            <a:pPr lvl="0"/>
+              <a:t>Talking about Variables and the 3 ‘flavours’ of ANOVA in week 4</a:t>
+            </a:r>
+          </a:p>
+          <a:p>
+            <a:pPr lvl="0" indent="0" marL="0">
+              <a:buNone/>
+            </a:pPr>
             <a:r>
               <a:rPr/>
-              <a:t>Give yourself time to read, review, re-read and select your juiciest points</a:t>
-            </a:r>
-          </a:p>
-          <a:p>
-            <a:pPr lvl="0"/>
+              <a:t>Week 5 is ‘power calculations’ and opportunity to discuss CP</a:t>
+            </a:r>
+          </a:p>
+          <a:p>
+            <a:pPr lvl="0" indent="0" marL="0">
+              <a:buNone/>
+            </a:pPr>
             <a:r>
               <a:rPr/>
-              <a:t>Avoid any discussion of methodologies that cannot inform your study directly</a:t>
-            </a:r>
-          </a:p>
-          <a:p>
-            <a:pPr lvl="1"/>
+              <a:t>But we will be moving on and the CP will be part of your independent study</a:t>
+            </a:r>
+          </a:p>
+          <a:p>
+            <a:pPr lvl="0" indent="0" marL="0">
+              <a:buNone/>
+            </a:pPr>
             <a:r>
               <a:rPr/>
-              <a:t>e.g. Clinical diagnostic procedures, fMRI technicalities, Criminal Record or Case Study review procedures</a:t>
+              <a:t>Same opportunities for RASA submissions/summer deferrals &amp; resubmissions</a:t>
             </a:r>
           </a:p>
         </p:txBody>
@@ -6286,7 +6439,7 @@
           <p:cNvPr id="2" name="Title 1">
             <a:extLst>
               <a:ext uri="{FF2B5EF4-FFF2-40B4-BE49-F238E27FC236}">
-                <a16:creationId xmlns:a16="http://schemas.microsoft.com/office/drawing/2014/main" id="{DD9B8E45-0772-954C-8D4B-6E6808DFEDED}"/>
+                <a16:creationId xmlns:a16="http://schemas.microsoft.com/office/drawing/2014/main" id="{FF6A6CB2-D1B6-B94A-84C1-83C65423C650}"/>
               </a:ext>
             </a:extLst>
           </p:cNvPr>
@@ -6299,8 +6452,8 @@
         </p:nvSpPr>
         <p:spPr>
           <a:xfrm>
-            <a:off x="838200" y="365129"/>
-            <a:ext cx="10002520" cy="1325563"/>
+            <a:off x="831851" y="1709742"/>
+            <a:ext cx="10515600" cy="2852737"/>
           </a:xfrm>
           <a:prstGeom prst="rect">
             <a:avLst/>
@@ -6315,47 +6468,7 @@
             </a:pPr>
             <a:r>
               <a:rPr/>
-              <a:t>You can (will) use LOTS of this in your MD!</a:t>
-            </a:r>
-          </a:p>
-        </p:txBody>
-      </p:sp>
-      <p:sp>
-        <p:nvSpPr>
-          <p:cNvPr id="3" name="Content Placeholder 2">
-            <a:extLst>
-              <a:ext uri="{FF2B5EF4-FFF2-40B4-BE49-F238E27FC236}">
-                <a16:creationId xmlns:a16="http://schemas.microsoft.com/office/drawing/2014/main" id="{A4EB24F9-04F1-C843-9D71-56C5C024552B}"/>
-              </a:ext>
-            </a:extLst>
-          </p:cNvPr>
-          <p:cNvSpPr>
-            <a:spLocks noGrp="1"/>
-          </p:cNvSpPr>
-          <p:nvPr>
-            <p:ph idx="1"/>
-          </p:nvPr>
-        </p:nvSpPr>
-        <p:spPr/>
-        <p:txBody>
-          <a:bodyPr/>
-          <a:lstStyle/>
-          <a:p>
-            <a:pPr lvl="0" indent="0" marL="0">
-              <a:buNone/>
-            </a:pPr>
-            <a:r>
-              <a:rPr/>
-              <a:t>This isn’t a sidetrack exercise. It’s a critical step in your project</a:t>
-            </a:r>
-          </a:p>
-          <a:p>
-            <a:pPr lvl="0" indent="0" marL="0">
-              <a:buNone/>
-            </a:pPr>
-            <a:r>
-              <a:rPr/>
-              <a:t>Note your references, note your main points, be organised</a:t>
+              <a:t>Questions?</a:t>
             </a:r>
           </a:p>
         </p:txBody>
@@ -6387,7 +6500,7 @@
           <p:cNvPr id="2" name="Title 1">
             <a:extLst>
               <a:ext uri="{FF2B5EF4-FFF2-40B4-BE49-F238E27FC236}">
-                <a16:creationId xmlns:a16="http://schemas.microsoft.com/office/drawing/2014/main" id="{FF6A6CB2-D1B6-B94A-84C1-83C65423C650}"/>
+                <a16:creationId xmlns:a16="http://schemas.microsoft.com/office/drawing/2014/main" id="{DD9B8E45-0772-954C-8D4B-6E6808DFEDED}"/>
               </a:ext>
             </a:extLst>
           </p:cNvPr>
@@ -6400,8 +6513,8 @@
         </p:nvSpPr>
         <p:spPr>
           <a:xfrm>
-            <a:off x="831851" y="1709742"/>
-            <a:ext cx="10515600" cy="2852737"/>
+            <a:off x="838200" y="365129"/>
+            <a:ext cx="10002520" cy="1325563"/>
           </a:xfrm>
           <a:prstGeom prst="rect">
             <a:avLst/>
@@ -6416,7 +6529,65 @@
             </a:pPr>
             <a:r>
               <a:rPr/>
-              <a:t>Questions?</a:t>
+              <a:t>New Teaching Fellow in Lab 03 WB300 9:30-11:30</a:t>
+            </a:r>
+          </a:p>
+        </p:txBody>
+      </p:sp>
+      <p:sp>
+        <p:nvSpPr>
+          <p:cNvPr id="3" name="Content Placeholder 2">
+            <a:extLst>
+              <a:ext uri="{FF2B5EF4-FFF2-40B4-BE49-F238E27FC236}">
+                <a16:creationId xmlns:a16="http://schemas.microsoft.com/office/drawing/2014/main" id="{A4EB24F9-04F1-C843-9D71-56C5C024552B}"/>
+              </a:ext>
+            </a:extLst>
+          </p:cNvPr>
+          <p:cNvSpPr>
+            <a:spLocks noGrp="1"/>
+          </p:cNvSpPr>
+          <p:nvPr>
+            <p:ph idx="1"/>
+          </p:nvPr>
+        </p:nvSpPr>
+        <p:spPr/>
+        <p:txBody>
+          <a:bodyPr/>
+          <a:lstStyle/>
+          <a:p>
+            <a:pPr lvl="0" indent="0" marL="0">
+              <a:buNone/>
+            </a:pPr>
+            <a:r>
+              <a:rPr/>
+              <a:t>Dr. Faize Eryaman</a:t>
+            </a:r>
+          </a:p>
+          <a:p>
+            <a:pPr lvl="0" indent="0" marL="0">
+              <a:buNone/>
+            </a:pPr>
+            <a:r>
+              <a:rPr/>
+              <a:t>I’m going to meet her directly after this.</a:t>
+            </a:r>
+          </a:p>
+          <a:p>
+            <a:pPr lvl="0" indent="0" marL="0">
+              <a:buNone/>
+            </a:pPr>
+            <a:r>
+              <a:rPr/>
+              <a:t>New to Goldsmiths, but a fantastic researcher and teacher.</a:t>
+            </a:r>
+          </a:p>
+          <a:p>
+            <a:pPr lvl="0" indent="0" marL="0">
+              <a:buNone/>
+            </a:pPr>
+            <a:r>
+              <a:rPr/>
+              <a:t>Please help her settle in!</a:t>
             </a:r>
           </a:p>
         </p:txBody>
@@ -6477,7 +6648,7 @@
             </a:pPr>
             <a:r>
               <a:rPr/>
-              <a:t>New Teaching Fellow in Lab 03 WB300 9:30-11:30</a:t>
+              <a:t>Roving Gordon</a:t>
             </a:r>
           </a:p>
         </p:txBody>
@@ -6508,7 +6679,7 @@
             </a:pPr>
             <a:r>
               <a:rPr/>
-              <a:t>Dr. Faize Eryaman</a:t>
+              <a:t>I shall be more available across all the labs now, and looking to help out as much as I can!</a:t>
             </a:r>
           </a:p>
           <a:p>
@@ -6517,25 +6688,42 @@
             </a:pPr>
             <a:r>
               <a:rPr/>
-              <a:t>I’m going to meet her directly after this.</a:t>
-            </a:r>
-          </a:p>
-          <a:p>
-            <a:pPr lvl="0" indent="0" marL="0">
-              <a:buNone/>
-            </a:pPr>
+              <a:t>I’m looking for opportunities:</a:t>
+            </a:r>
+          </a:p>
+          <a:p>
+            <a:pPr lvl="0"/>
             <a:r>
               <a:rPr/>
-              <a:t>New to Goldsmiths, but a fantastic researcher and teacher.</a:t>
-            </a:r>
-          </a:p>
-          <a:p>
-            <a:pPr lvl="0" indent="0" marL="0">
-              <a:buNone/>
-            </a:pPr>
+              <a:t>To share good ideas or practice</a:t>
+            </a:r>
+          </a:p>
+          <a:p>
+            <a:pPr lvl="0"/>
             <a:r>
               <a:rPr/>
-              <a:t>Please help her settle in!</a:t>
+              <a:t>To help confirm consistency and give you confidence</a:t>
+            </a:r>
+          </a:p>
+          <a:p>
+            <a:pPr lvl="0"/>
+            <a:r>
+              <a:rPr/>
+              <a:t>To be another “guide at the side”</a:t>
+            </a:r>
+          </a:p>
+          <a:p>
+            <a:pPr lvl="0"/>
+            <a:r>
+              <a:rPr/>
+              <a:t>To challenge you</a:t>
+            </a:r>
+          </a:p>
+          <a:p>
+            <a:pPr lvl="0"/>
+            <a:r>
+              <a:rPr/>
+              <a:t>But not to confuse you or contradict your Lab or Personal Tutors</a:t>
             </a:r>
           </a:p>
         </p:txBody>
@@ -6546,142 +6734,6 @@
 </file>
 
 <file path=ppt/slides/slide25.xml><?xml version="1.0" encoding="utf-8"?>
-<p:sld xmlns:a="http://schemas.openxmlformats.org/drawingml/2006/main" xmlns:r="http://schemas.openxmlformats.org/officeDocument/2006/relationships" xmlns:p="http://schemas.openxmlformats.org/presentationml/2006/main">
-  <p:cSld>
-    <p:spTree>
-      <p:nvGrpSpPr>
-        <p:cNvPr id="1" name=""/>
-        <p:cNvGrpSpPr/>
-        <p:nvPr/>
-      </p:nvGrpSpPr>
-      <p:grpSpPr>
-        <a:xfrm>
-          <a:off x="0" y="0"/>
-          <a:ext cx="0" cy="0"/>
-          <a:chOff x="0" y="0"/>
-          <a:chExt cx="0" cy="0"/>
-        </a:xfrm>
-      </p:grpSpPr>
-      <p:sp>
-        <p:nvSpPr>
-          <p:cNvPr id="2" name="Title 1">
-            <a:extLst>
-              <a:ext uri="{FF2B5EF4-FFF2-40B4-BE49-F238E27FC236}">
-                <a16:creationId xmlns:a16="http://schemas.microsoft.com/office/drawing/2014/main" id="{DD9B8E45-0772-954C-8D4B-6E6808DFEDED}"/>
-              </a:ext>
-            </a:extLst>
-          </p:cNvPr>
-          <p:cNvSpPr>
-            <a:spLocks noGrp="1"/>
-          </p:cNvSpPr>
-          <p:nvPr>
-            <p:ph type="title"/>
-          </p:nvPr>
-        </p:nvSpPr>
-        <p:spPr>
-          <a:xfrm>
-            <a:off x="838200" y="365129"/>
-            <a:ext cx="10002520" cy="1325563"/>
-          </a:xfrm>
-          <a:prstGeom prst="rect">
-            <a:avLst/>
-          </a:prstGeom>
-        </p:spPr>
-        <p:txBody>
-          <a:bodyPr/>
-          <a:lstStyle/>
-          <a:p>
-            <a:pPr lvl="0" indent="0" marL="0">
-              <a:buNone/>
-            </a:pPr>
-            <a:r>
-              <a:rPr/>
-              <a:t>Roving Gordon</a:t>
-            </a:r>
-          </a:p>
-        </p:txBody>
-      </p:sp>
-      <p:sp>
-        <p:nvSpPr>
-          <p:cNvPr id="3" name="Content Placeholder 2">
-            <a:extLst>
-              <a:ext uri="{FF2B5EF4-FFF2-40B4-BE49-F238E27FC236}">
-                <a16:creationId xmlns:a16="http://schemas.microsoft.com/office/drawing/2014/main" id="{A4EB24F9-04F1-C843-9D71-56C5C024552B}"/>
-              </a:ext>
-            </a:extLst>
-          </p:cNvPr>
-          <p:cNvSpPr>
-            <a:spLocks noGrp="1"/>
-          </p:cNvSpPr>
-          <p:nvPr>
-            <p:ph idx="1"/>
-          </p:nvPr>
-        </p:nvSpPr>
-        <p:spPr/>
-        <p:txBody>
-          <a:bodyPr/>
-          <a:lstStyle/>
-          <a:p>
-            <a:pPr lvl="0" indent="0" marL="0">
-              <a:buNone/>
-            </a:pPr>
-            <a:r>
-              <a:rPr/>
-              <a:t>I shall be more available across all the labs now, and looking to help out as much as I can!</a:t>
-            </a:r>
-          </a:p>
-          <a:p>
-            <a:pPr lvl="0" indent="0" marL="0">
-              <a:buNone/>
-            </a:pPr>
-            <a:r>
-              <a:rPr/>
-              <a:t>I’m looking for opportunities:</a:t>
-            </a:r>
-          </a:p>
-          <a:p>
-            <a:pPr lvl="0"/>
-            <a:r>
-              <a:rPr/>
-              <a:t>To share good ideas or practice</a:t>
-            </a:r>
-          </a:p>
-          <a:p>
-            <a:pPr lvl="0"/>
-            <a:r>
-              <a:rPr/>
-              <a:t>To help confirm consistency and give you confidence</a:t>
-            </a:r>
-          </a:p>
-          <a:p>
-            <a:pPr lvl="0"/>
-            <a:r>
-              <a:rPr/>
-              <a:t>To be another “guide at the side”</a:t>
-            </a:r>
-          </a:p>
-          <a:p>
-            <a:pPr lvl="0"/>
-            <a:r>
-              <a:rPr/>
-              <a:t>To challenge you</a:t>
-            </a:r>
-          </a:p>
-          <a:p>
-            <a:pPr lvl="0"/>
-            <a:r>
-              <a:rPr/>
-              <a:t>But not to confuse you or contradict your Lab or Personal Tutors</a:t>
-            </a:r>
-          </a:p>
-        </p:txBody>
-      </p:sp>
-    </p:spTree>
-  </p:cSld>
-</p:sld>
-</file>
-
-<file path=ppt/slides/slide26.xml><?xml version="1.0" encoding="utf-8"?>
 <p:sld xmlns:a="http://schemas.openxmlformats.org/drawingml/2006/main" xmlns:r="http://schemas.openxmlformats.org/officeDocument/2006/relationships" xmlns:p="http://schemas.openxmlformats.org/presentationml/2006/main">
   <p:cSld>
     <p:spTree>

--- a/_site/lectures/Lecture03/Lecture03.pptx
+++ b/_site/lectures/Lecture03/Lecture03.pptx
@@ -4986,7 +4986,7 @@
             </a:pPr>
             <a:r>
               <a:rPr/>
-              <a:t>17 October, 2022</a:t>
+              <a:t>10/17/22</a:t>
             </a:r>
           </a:p>
         </p:txBody>

--- a/_site/lectures/Lecture03/Lecture03.pptx
+++ b/_site/lectures/Lecture03/Lecture03.pptx
@@ -4986,7 +4986,7 @@
             </a:pPr>
             <a:r>
               <a:rPr/>
-              <a:t>10/17/22</a:t>
+              <a:t>17 October, 2022</a:t>
             </a:r>
           </a:p>
         </p:txBody>
